--- a/templates/PowerAgentConf2025_967080_Rocca.pptx
+++ b/templates/PowerAgentConf2025_967080_Rocca.pptx
@@ -2,7 +2,7 @@
 <file path=ppt/presentation.xml><?xml version="1.0" encoding="utf-8"?>
 <p:presentation xmlns:a="http://schemas.openxmlformats.org/drawingml/2006/main" xmlns:r="http://schemas.openxmlformats.org/officeDocument/2006/relationships" xmlns:p="http://schemas.openxmlformats.org/presentationml/2006/main" saveSubsetFonts="1">
   <p:sldMasterIdLst>
-    <p:sldMasterId id="2147483712" r:id="rId4"/>
+    <p:sldMasterId id="2147483729" r:id="rId4"/>
   </p:sldMasterIdLst>
   <p:notesMasterIdLst>
     <p:notesMasterId r:id="rId12"/>
@@ -19,7 +19,7 @@
     <p:sldId id="261" r:id="rId10"/>
     <p:sldId id="262" r:id="rId11"/>
   </p:sldIdLst>
-  <p:sldSz cx="11699875" cy="7019925"/>
+  <p:sldSz cx="12479338" cy="7019925"/>
   <p:notesSz cx="6858000" cy="9144000"/>
   <p:defaultTextStyle>
     <a:defPPr>
@@ -118,7 +118,18 @@
   </p:defaultTextStyle>
   <p:extLst>
     <p:ext uri="{EFAFB233-063F-42B5-8137-9DF3F51BA10A}">
-      <p15:sldGuideLst xmlns:p15="http://schemas.microsoft.com/office/powerpoint/2012/main"/>
+      <p15:sldGuideLst xmlns:p15="http://schemas.microsoft.com/office/powerpoint/2012/main">
+        <p15:guide id="1" orient="horz" pos="2211" userDrawn="1">
+          <p15:clr>
+            <a:srgbClr val="A4A3A4"/>
+          </p15:clr>
+        </p15:guide>
+        <p15:guide id="2" pos="3931" userDrawn="1">
+          <p15:clr>
+            <a:srgbClr val="A4A3A4"/>
+          </p15:clr>
+        </p15:guide>
+      </p15:sldGuideLst>
     </p:ext>
     <p:ext uri="{2D200454-40CA-4A62-9FC3-DE9A4176ACB9}">
       <p15:notesGuideLst xmlns:p15="http://schemas.microsoft.com/office/powerpoint/2012/main"/>
@@ -296,7 +307,7 @@
           <a:p>
             <a:fld id="{2C164773-81C5-40F4-B8E1-8D7531CD0702}" type="datetimeFigureOut">
               <a:rPr lang="it-IT" smtClean="0"/>
-              <a:t>09/09/2025</a:t>
+              <a:t>24/09/2025</a:t>
             </a:fld>
             <a:endParaRPr lang="it-IT"/>
           </a:p>
@@ -1046,15 +1057,15 @@
         </p:nvSpPr>
         <p:spPr>
           <a:xfrm>
-            <a:off x="1462485" y="1148863"/>
-            <a:ext cx="8774906" cy="2443974"/>
+            <a:off x="1559917" y="1148863"/>
+            <a:ext cx="9359504" cy="2443974"/>
           </a:xfrm>
         </p:spPr>
         <p:txBody>
           <a:bodyPr anchor="b"/>
           <a:lstStyle>
             <a:lvl1pPr algn="ctr">
-              <a:defRPr sz="5758"/>
+              <a:defRPr sz="6142"/>
             </a:lvl1pPr>
           </a:lstStyle>
           <a:p>
@@ -1078,8 +1089,8 @@
         </p:nvSpPr>
         <p:spPr>
           <a:xfrm>
-            <a:off x="1462485" y="3687086"/>
-            <a:ext cx="8774906" cy="1694856"/>
+            <a:off x="1559917" y="3687086"/>
+            <a:ext cx="9359504" cy="1694856"/>
           </a:xfrm>
         </p:spPr>
         <p:txBody>
@@ -1087,39 +1098,39 @@
           <a:lstStyle>
             <a:lvl1pPr marL="0" indent="0" algn="ctr">
               <a:buNone/>
-              <a:defRPr sz="2303"/>
+              <a:defRPr sz="2457"/>
             </a:lvl1pPr>
-            <a:lvl2pPr marL="438729" indent="0" algn="ctr">
+            <a:lvl2pPr marL="467990" indent="0" algn="ctr">
               <a:buNone/>
-              <a:defRPr sz="1919"/>
+              <a:defRPr sz="2047"/>
             </a:lvl2pPr>
-            <a:lvl3pPr marL="877458" indent="0" algn="ctr">
+            <a:lvl3pPr marL="935980" indent="0" algn="ctr">
               <a:buNone/>
-              <a:defRPr sz="1727"/>
+              <a:defRPr sz="1842"/>
             </a:lvl3pPr>
-            <a:lvl4pPr marL="1316187" indent="0" algn="ctr">
+            <a:lvl4pPr marL="1403970" indent="0" algn="ctr">
               <a:buNone/>
-              <a:defRPr sz="1535"/>
+              <a:defRPr sz="1638"/>
             </a:lvl4pPr>
-            <a:lvl5pPr marL="1754916" indent="0" algn="ctr">
+            <a:lvl5pPr marL="1871960" indent="0" algn="ctr">
               <a:buNone/>
-              <a:defRPr sz="1535"/>
+              <a:defRPr sz="1638"/>
             </a:lvl5pPr>
-            <a:lvl6pPr marL="2193646" indent="0" algn="ctr">
+            <a:lvl6pPr marL="2339950" indent="0" algn="ctr">
               <a:buNone/>
-              <a:defRPr sz="1535"/>
+              <a:defRPr sz="1638"/>
             </a:lvl6pPr>
-            <a:lvl7pPr marL="2632375" indent="0" algn="ctr">
+            <a:lvl7pPr marL="2807940" indent="0" algn="ctr">
               <a:buNone/>
-              <a:defRPr sz="1535"/>
+              <a:defRPr sz="1638"/>
             </a:lvl7pPr>
-            <a:lvl8pPr marL="3071104" indent="0" algn="ctr">
+            <a:lvl8pPr marL="3275929" indent="0" algn="ctr">
               <a:buNone/>
-              <a:defRPr sz="1535"/>
+              <a:defRPr sz="1638"/>
             </a:lvl8pPr>
-            <a:lvl9pPr marL="3509833" indent="0" algn="ctr">
+            <a:lvl9pPr marL="3743919" indent="0" algn="ctr">
               <a:buNone/>
-              <a:defRPr sz="1535"/>
+              <a:defRPr sz="1638"/>
             </a:lvl9pPr>
           </a:lstStyle>
           <a:p>
@@ -1148,7 +1159,7 @@
           <a:p>
             <a:fld id="{C764DE79-268F-4C1A-8933-263129D2AF90}" type="datetimeFigureOut">
               <a:rPr lang="en-US" smtClean="0"/>
-              <a:t>9/9/2025</a:t>
+              <a:t>9/24/2025</a:t>
             </a:fld>
             <a:endParaRPr lang="en-US" dirty="0"/>
           </a:p>
@@ -1199,7 +1210,7 @@
     </p:spTree>
     <p:extLst>
       <p:ext uri="{BB962C8B-B14F-4D97-AF65-F5344CB8AC3E}">
-        <p14:creationId xmlns:p14="http://schemas.microsoft.com/office/powerpoint/2010/main" val="2746773362"/>
+        <p14:creationId xmlns:p14="http://schemas.microsoft.com/office/powerpoint/2010/main" val="4241281633"/>
       </p:ext>
     </p:extLst>
   </p:cSld>
@@ -1318,7 +1329,7 @@
           <a:p>
             <a:fld id="{C764DE79-268F-4C1A-8933-263129D2AF90}" type="datetimeFigureOut">
               <a:rPr lang="en-US" smtClean="0"/>
-              <a:t>9/9/2025</a:t>
+              <a:t>9/24/2025</a:t>
             </a:fld>
             <a:endParaRPr lang="en-US" dirty="0"/>
           </a:p>
@@ -1369,7 +1380,7 @@
     </p:spTree>
     <p:extLst>
       <p:ext uri="{BB962C8B-B14F-4D97-AF65-F5344CB8AC3E}">
-        <p14:creationId xmlns:p14="http://schemas.microsoft.com/office/powerpoint/2010/main" val="1849704258"/>
+        <p14:creationId xmlns:p14="http://schemas.microsoft.com/office/powerpoint/2010/main" val="4173485757"/>
       </p:ext>
     </p:extLst>
   </p:cSld>
@@ -1408,8 +1419,8 @@
         </p:nvSpPr>
         <p:spPr>
           <a:xfrm>
-            <a:off x="8372723" y="373746"/>
-            <a:ext cx="2522786" cy="5949062"/>
+            <a:off x="8930526" y="373746"/>
+            <a:ext cx="2690857" cy="5949062"/>
           </a:xfrm>
         </p:spPr>
         <p:txBody>
@@ -1436,8 +1447,8 @@
         </p:nvSpPr>
         <p:spPr>
           <a:xfrm>
-            <a:off x="804367" y="373746"/>
-            <a:ext cx="7422108" cy="5949062"/>
+            <a:off x="857955" y="373746"/>
+            <a:ext cx="7916580" cy="5949062"/>
           </a:xfrm>
         </p:spPr>
         <p:txBody>
@@ -1498,7 +1509,7 @@
           <a:p>
             <a:fld id="{C764DE79-268F-4C1A-8933-263129D2AF90}" type="datetimeFigureOut">
               <a:rPr lang="en-US" smtClean="0"/>
-              <a:t>9/9/2025</a:t>
+              <a:t>9/24/2025</a:t>
             </a:fld>
             <a:endParaRPr lang="en-US" dirty="0"/>
           </a:p>
@@ -1549,7 +1560,7 @@
     </p:spTree>
     <p:extLst>
       <p:ext uri="{BB962C8B-B14F-4D97-AF65-F5344CB8AC3E}">
-        <p14:creationId xmlns:p14="http://schemas.microsoft.com/office/powerpoint/2010/main" val="1265995644"/>
+        <p14:creationId xmlns:p14="http://schemas.microsoft.com/office/powerpoint/2010/main" val="2136992396"/>
       </p:ext>
     </p:extLst>
   </p:cSld>
@@ -1593,8 +1604,8 @@
         </p:nvSpPr>
         <p:spPr>
           <a:xfrm>
-            <a:off x="3" y="5392547"/>
-            <a:ext cx="11699875" cy="1154499"/>
+            <a:off x="4" y="5392548"/>
+            <a:ext cx="12479338" cy="1154499"/>
           </a:xfrm>
           <a:prstGeom prst="rect">
             <a:avLst/>
@@ -1655,8 +1666,8 @@
         </p:nvSpPr>
         <p:spPr>
           <a:xfrm>
-            <a:off x="1" y="1"/>
-            <a:ext cx="11699876" cy="7019925"/>
+            <a:off x="1" y="2"/>
+            <a:ext cx="12479339" cy="7019925"/>
           </a:xfrm>
           <a:prstGeom prst="rect">
             <a:avLst/>
@@ -1712,8 +1723,8 @@
         </p:nvSpPr>
         <p:spPr>
           <a:xfrm rot="10800000" flipH="1">
-            <a:off x="3" y="-488"/>
-            <a:ext cx="8537671" cy="7020415"/>
+            <a:off x="4" y="-488"/>
+            <a:ext cx="9106463" cy="7020415"/>
           </a:xfrm>
           <a:custGeom>
             <a:avLst/>
@@ -1806,8 +1817,8 @@
         </p:nvSpPr>
         <p:spPr>
           <a:xfrm rot="10800000" flipH="1">
-            <a:off x="2" y="-489"/>
-            <a:ext cx="7769447" cy="7020416"/>
+            <a:off x="3" y="-489"/>
+            <a:ext cx="8287059" cy="7020416"/>
           </a:xfrm>
           <a:custGeom>
             <a:avLst/>
@@ -1906,8 +1917,8 @@
         </p:nvSpPr>
         <p:spPr>
           <a:xfrm>
-            <a:off x="171247" y="371673"/>
-            <a:ext cx="7769592" cy="854921"/>
+            <a:off x="182656" y="371674"/>
+            <a:ext cx="8287214" cy="854921"/>
           </a:xfrm>
           <a:prstGeom prst="rect">
             <a:avLst/>
@@ -1991,8 +2002,8 @@
         </p:nvSpPr>
         <p:spPr>
           <a:xfrm>
-            <a:off x="288246" y="1461451"/>
-            <a:ext cx="6100875" cy="2334487"/>
+            <a:off x="307450" y="1461452"/>
+            <a:ext cx="6507324" cy="2334487"/>
           </a:xfrm>
           <a:prstGeom prst="rect">
             <a:avLst/>
@@ -2039,8 +2050,8 @@
         </p:blipFill>
         <p:spPr>
           <a:xfrm>
-            <a:off x="10350344" y="348637"/>
-            <a:ext cx="788910" cy="841503"/>
+            <a:off x="11039899" y="348638"/>
+            <a:ext cx="841468" cy="841503"/>
           </a:xfrm>
           <a:prstGeom prst="rect">
             <a:avLst/>
@@ -2070,8 +2081,8 @@
         </p:nvSpPr>
         <p:spPr>
           <a:xfrm>
-            <a:off x="-2" y="5372143"/>
-            <a:ext cx="11699875" cy="1154499"/>
+            <a:off x="-2" y="5372144"/>
+            <a:ext cx="12479338" cy="1154499"/>
           </a:xfrm>
           <a:prstGeom prst="rect">
             <a:avLst/>
@@ -2138,8 +2149,8 @@
         </p:blipFill>
         <p:spPr>
           <a:xfrm>
-            <a:off x="288244" y="5686237"/>
-            <a:ext cx="2379078" cy="617405"/>
+            <a:off x="307447" y="5686238"/>
+            <a:ext cx="2537576" cy="617405"/>
           </a:xfrm>
           <a:prstGeom prst="rect">
             <a:avLst/>
@@ -2158,41 +2169,6 @@
           </a:ln>
         </p:spPr>
       </p:pic>
-      <p:pic>
-        <p:nvPicPr>
-          <p:cNvPr id="18" name="Google Shape;239;p1" descr="Logo BC Soft">
-            <a:extLst>
-              <a:ext uri="{FF2B5EF4-FFF2-40B4-BE49-F238E27FC236}">
-                <a16:creationId xmlns:a16="http://schemas.microsoft.com/office/drawing/2014/main" id="{A51D0EF9-64A2-EE66-2DC0-2C013FF445F6}"/>
-              </a:ext>
-            </a:extLst>
-          </p:cNvPr>
-          <p:cNvPicPr preferRelativeResize="0">
-            <a:picLocks noChangeAspect="1"/>
-          </p:cNvPicPr>
-          <p:nvPr userDrawn="1"/>
-        </p:nvPicPr>
-        <p:blipFill rotWithShape="1">
-          <a:blip r:embed="rId4">
-            <a:alphaModFix/>
-          </a:blip>
-          <a:srcRect l="4726" t="20069" r="6364" b="20697"/>
-          <a:stretch/>
-        </p:blipFill>
-        <p:spPr>
-          <a:xfrm>
-            <a:off x="8156914" y="5474456"/>
-            <a:ext cx="1348274" cy="479051"/>
-          </a:xfrm>
-          <a:prstGeom prst="rect">
-            <a:avLst/>
-          </a:prstGeom>
-          <a:noFill/>
-          <a:ln>
-            <a:noFill/>
-          </a:ln>
-        </p:spPr>
-      </p:pic>
       <p:sp>
         <p:nvSpPr>
           <p:cNvPr id="47" name="Text Placeholder 46">
@@ -2211,8 +2187,8 @@
         </p:nvSpPr>
         <p:spPr>
           <a:xfrm>
-            <a:off x="288244" y="3904999"/>
-            <a:ext cx="6108652" cy="529745"/>
+            <a:off x="307447" y="3904999"/>
+            <a:ext cx="6515619" cy="529745"/>
           </a:xfrm>
           <a:prstGeom prst="rect">
             <a:avLst/>
@@ -2257,7 +2233,7 @@
           <p:nvPr userDrawn="1"/>
         </p:nvPicPr>
         <p:blipFill>
-          <a:blip r:embed="rId5">
+          <a:blip r:embed="rId4">
             <a:alphaModFix/>
             <a:extLst>
               <a:ext uri="{28A0092B-C50C-407E-A947-70E740481C1C}">
@@ -2272,8 +2248,8 @@
         </p:blipFill>
         <p:spPr bwMode="auto">
           <a:xfrm>
-            <a:off x="3220323" y="5627405"/>
-            <a:ext cx="1530038" cy="816020"/>
+            <a:off x="3434866" y="5627405"/>
+            <a:ext cx="1631971" cy="816020"/>
           </a:xfrm>
           <a:prstGeom prst="rect">
             <a:avLst/>
@@ -2307,7 +2283,7 @@
           <p:nvPr userDrawn="1"/>
         </p:nvPicPr>
         <p:blipFill>
-          <a:blip r:embed="rId6">
+          <a:blip r:embed="rId5">
             <a:extLst>
               <a:ext uri="{28A0092B-C50C-407E-A947-70E740481C1C}">
                 <a14:useLocalDpi xmlns:a14="http://schemas.microsoft.com/office/drawing/2010/main" val="0"/>
@@ -2321,149 +2297,8 @@
         </p:blipFill>
         <p:spPr bwMode="auto">
           <a:xfrm>
-            <a:off x="5303361" y="5424419"/>
-            <a:ext cx="2045164" cy="1090755"/>
-          </a:xfrm>
-          <a:prstGeom prst="rect">
-            <a:avLst/>
-          </a:prstGeom>
-          <a:noFill/>
-          <a:extLst>
-            <a:ext uri="{909E8E84-426E-40DD-AFC4-6F175D3DCCD1}">
-              <a14:hiddenFill xmlns:a14="http://schemas.microsoft.com/office/drawing/2010/main">
-                <a:solidFill>
-                  <a:srgbClr val="FFFFFF"/>
-                </a:solidFill>
-              </a14:hiddenFill>
-            </a:ext>
-          </a:extLst>
-        </p:spPr>
-      </p:pic>
-      <p:pic>
-        <p:nvPicPr>
-          <p:cNvPr id="1030" name="Picture 6" descr="Key2">
-            <a:extLst>
-              <a:ext uri="{FF2B5EF4-FFF2-40B4-BE49-F238E27FC236}">
-                <a16:creationId xmlns:a16="http://schemas.microsoft.com/office/drawing/2014/main" id="{E1B8FDDA-A0D8-C674-9684-0C6B9583C7D8}"/>
-              </a:ext>
-            </a:extLst>
-          </p:cNvPr>
-          <p:cNvPicPr>
-            <a:picLocks noChangeAspect="1" noChangeArrowheads="1"/>
-          </p:cNvPicPr>
-          <p:nvPr userDrawn="1"/>
-        </p:nvPicPr>
-        <p:blipFill>
-          <a:blip r:embed="rId7">
-            <a:extLst>
-              <a:ext uri="{28A0092B-C50C-407E-A947-70E740481C1C}">
-                <a14:useLocalDpi xmlns:a14="http://schemas.microsoft.com/office/drawing/2010/main" val="0"/>
-              </a:ext>
-            </a:extLst>
-          </a:blip>
-          <a:srcRect/>
-          <a:stretch>
-            <a:fillRect/>
-          </a:stretch>
-        </p:blipFill>
-        <p:spPr bwMode="auto">
-          <a:xfrm>
-            <a:off x="10038776" y="5392547"/>
-            <a:ext cx="1205379" cy="642869"/>
-          </a:xfrm>
-          <a:prstGeom prst="rect">
-            <a:avLst/>
-          </a:prstGeom>
-          <a:noFill/>
-          <a:extLst>
-            <a:ext uri="{909E8E84-426E-40DD-AFC4-6F175D3DCCD1}">
-              <a14:hiddenFill xmlns:a14="http://schemas.microsoft.com/office/drawing/2010/main">
-                <a:solidFill>
-                  <a:srgbClr val="FFFFFF"/>
-                </a:solidFill>
-              </a14:hiddenFill>
-            </a:ext>
-          </a:extLst>
-        </p:spPr>
-      </p:pic>
-      <p:pic>
-        <p:nvPicPr>
-          <p:cNvPr id="1032" name="Picture 8" descr="Lobra Futura">
-            <a:extLst>
-              <a:ext uri="{FF2B5EF4-FFF2-40B4-BE49-F238E27FC236}">
-                <a16:creationId xmlns:a16="http://schemas.microsoft.com/office/drawing/2014/main" id="{616EA2D4-4735-679D-FB89-2EAE7BB596E4}"/>
-              </a:ext>
-            </a:extLst>
-          </p:cNvPr>
-          <p:cNvPicPr>
-            <a:picLocks noChangeAspect="1" noChangeArrowheads="1"/>
-          </p:cNvPicPr>
-          <p:nvPr userDrawn="1"/>
-        </p:nvPicPr>
-        <p:blipFill>
-          <a:blip r:embed="rId8">
-            <a:extLst>
-              <a:ext uri="{28A0092B-C50C-407E-A947-70E740481C1C}">
-                <a14:useLocalDpi xmlns:a14="http://schemas.microsoft.com/office/drawing/2010/main" val="0"/>
-              </a:ext>
-            </a:extLst>
-          </a:blip>
-          <a:srcRect/>
-          <a:stretch>
-            <a:fillRect/>
-          </a:stretch>
-        </p:blipFill>
-        <p:spPr bwMode="auto">
-          <a:xfrm>
-            <a:off x="8322451" y="5926221"/>
-            <a:ext cx="1205379" cy="642869"/>
-          </a:xfrm>
-          <a:prstGeom prst="rect">
-            <a:avLst/>
-          </a:prstGeom>
-          <a:noFill/>
-          <a:extLst>
-            <a:ext uri="{909E8E84-426E-40DD-AFC4-6F175D3DCCD1}">
-              <a14:hiddenFill xmlns:a14="http://schemas.microsoft.com/office/drawing/2010/main">
-                <a:solidFill>
-                  <a:srgbClr val="FFFFFF"/>
-                </a:solidFill>
-              </a14:hiddenFill>
-            </a:ext>
-          </a:extLst>
-        </p:spPr>
-      </p:pic>
-      <p:pic>
-        <p:nvPicPr>
-          <p:cNvPr id="1034" name="Picture 10" descr="Apvee">
-            <a:extLst>
-              <a:ext uri="{FF2B5EF4-FFF2-40B4-BE49-F238E27FC236}">
-                <a16:creationId xmlns:a16="http://schemas.microsoft.com/office/drawing/2014/main" id="{212C424F-5CD0-5438-8F7F-E20FE67E637A}"/>
-              </a:ext>
-            </a:extLst>
-          </p:cNvPr>
-          <p:cNvPicPr>
-            <a:picLocks noChangeAspect="1" noChangeArrowheads="1"/>
-          </p:cNvPicPr>
-          <p:nvPr userDrawn="1"/>
-        </p:nvPicPr>
-        <p:blipFill>
-          <a:blip r:embed="rId9">
-            <a:extLst>
-              <a:ext uri="{28A0092B-C50C-407E-A947-70E740481C1C}">
-                <a14:useLocalDpi xmlns:a14="http://schemas.microsoft.com/office/drawing/2010/main" val="0"/>
-              </a:ext>
-            </a:extLst>
-          </a:blip>
-          <a:srcRect/>
-          <a:stretch>
-            <a:fillRect/>
-          </a:stretch>
-        </p:blipFill>
-        <p:spPr bwMode="auto">
-          <a:xfrm>
-            <a:off x="9876281" y="5848291"/>
-            <a:ext cx="1497616" cy="798729"/>
+            <a:off x="5656679" y="5424420"/>
+            <a:ext cx="2181416" cy="1090755"/>
           </a:xfrm>
           <a:prstGeom prst="rect">
             <a:avLst/>
@@ -2495,7 +2330,7 @@
           <p:nvPr userDrawn="1"/>
         </p:nvPicPr>
         <p:blipFill>
-          <a:blip r:embed="rId10">
+          <a:blip r:embed="rId6">
             <a:extLst>
               <a:ext uri="{28A0092B-C50C-407E-A947-70E740481C1C}">
                 <a14:useLocalDpi xmlns:a14="http://schemas.microsoft.com/office/drawing/2010/main" val="0"/>
@@ -2509,8 +2344,231 @@
         </p:blipFill>
         <p:spPr bwMode="auto">
           <a:xfrm>
-            <a:off x="8082219" y="1233443"/>
-            <a:ext cx="2646533" cy="3665820"/>
+            <a:off x="8620669" y="1233443"/>
+            <a:ext cx="2822849" cy="3665820"/>
+          </a:xfrm>
+          <a:prstGeom prst="rect">
+            <a:avLst/>
+          </a:prstGeom>
+          <a:noFill/>
+          <a:extLst>
+            <a:ext uri="{909E8E84-426E-40DD-AFC4-6F175D3DCCD1}">
+              <a14:hiddenFill xmlns:a14="http://schemas.microsoft.com/office/drawing/2010/main">
+                <a:solidFill>
+                  <a:srgbClr val="FFFFFF"/>
+                </a:solidFill>
+              </a14:hiddenFill>
+            </a:ext>
+          </a:extLst>
+        </p:spPr>
+      </p:pic>
+      <p:pic>
+        <p:nvPicPr>
+          <p:cNvPr id="2" name="Google Shape;239;p1" descr="Logo BC Soft">
+            <a:extLst>
+              <a:ext uri="{FF2B5EF4-FFF2-40B4-BE49-F238E27FC236}">
+                <a16:creationId xmlns:a16="http://schemas.microsoft.com/office/drawing/2014/main" id="{A41DCA7C-9964-8230-1437-CC4FBE815696}"/>
+              </a:ext>
+            </a:extLst>
+          </p:cNvPr>
+          <p:cNvPicPr preferRelativeResize="0">
+            <a:picLocks noChangeAspect="1"/>
+          </p:cNvPicPr>
+          <p:nvPr userDrawn="1"/>
+        </p:nvPicPr>
+        <p:blipFill rotWithShape="1">
+          <a:blip r:embed="rId7">
+            <a:alphaModFix/>
+          </a:blip>
+          <a:srcRect l="4726" t="20069" r="6364" b="20697"/>
+          <a:stretch/>
+        </p:blipFill>
+        <p:spPr>
+          <a:xfrm>
+            <a:off x="8162288" y="5559235"/>
+            <a:ext cx="1348274" cy="479050"/>
+          </a:xfrm>
+          <a:prstGeom prst="rect">
+            <a:avLst/>
+          </a:prstGeom>
+          <a:noFill/>
+          <a:ln>
+            <a:noFill/>
+          </a:ln>
+        </p:spPr>
+      </p:pic>
+      <p:pic>
+        <p:nvPicPr>
+          <p:cNvPr id="3" name="Picture 6" descr="Key2">
+            <a:extLst>
+              <a:ext uri="{FF2B5EF4-FFF2-40B4-BE49-F238E27FC236}">
+                <a16:creationId xmlns:a16="http://schemas.microsoft.com/office/drawing/2014/main" id="{FF0395F8-0721-0216-CC3F-32FCDF9B0BA9}"/>
+              </a:ext>
+            </a:extLst>
+          </p:cNvPr>
+          <p:cNvPicPr>
+            <a:picLocks noChangeAspect="1" noChangeArrowheads="1"/>
+          </p:cNvPicPr>
+          <p:nvPr userDrawn="1"/>
+        </p:nvPicPr>
+        <p:blipFill>
+          <a:blip r:embed="rId8">
+            <a:extLst>
+              <a:ext uri="{28A0092B-C50C-407E-A947-70E740481C1C}">
+                <a14:useLocalDpi xmlns:a14="http://schemas.microsoft.com/office/drawing/2010/main" val="0"/>
+              </a:ext>
+            </a:extLst>
+          </a:blip>
+          <a:srcRect/>
+          <a:stretch>
+            <a:fillRect/>
+          </a:stretch>
+        </p:blipFill>
+        <p:spPr bwMode="auto">
+          <a:xfrm>
+            <a:off x="9653719" y="5499664"/>
+            <a:ext cx="1205379" cy="642869"/>
+          </a:xfrm>
+          <a:prstGeom prst="rect">
+            <a:avLst/>
+          </a:prstGeom>
+          <a:noFill/>
+          <a:extLst>
+            <a:ext uri="{909E8E84-426E-40DD-AFC4-6F175D3DCCD1}">
+              <a14:hiddenFill xmlns:a14="http://schemas.microsoft.com/office/drawing/2010/main">
+                <a:solidFill>
+                  <a:srgbClr val="FFFFFF"/>
+                </a:solidFill>
+              </a14:hiddenFill>
+            </a:ext>
+          </a:extLst>
+        </p:spPr>
+      </p:pic>
+      <p:pic>
+        <p:nvPicPr>
+          <p:cNvPr id="4" name="Picture 8" descr="Lobra Futura">
+            <a:extLst>
+              <a:ext uri="{FF2B5EF4-FFF2-40B4-BE49-F238E27FC236}">
+                <a16:creationId xmlns:a16="http://schemas.microsoft.com/office/drawing/2014/main" id="{6995FF22-794D-F498-42C7-C7EECB56264D}"/>
+              </a:ext>
+            </a:extLst>
+          </p:cNvPr>
+          <p:cNvPicPr>
+            <a:picLocks noChangeAspect="1" noChangeArrowheads="1"/>
+          </p:cNvPicPr>
+          <p:nvPr userDrawn="1"/>
+        </p:nvPicPr>
+        <p:blipFill>
+          <a:blip r:embed="rId9">
+            <a:extLst>
+              <a:ext uri="{28A0092B-C50C-407E-A947-70E740481C1C}">
+                <a14:useLocalDpi xmlns:a14="http://schemas.microsoft.com/office/drawing/2010/main" val="0"/>
+              </a:ext>
+            </a:extLst>
+          </a:blip>
+          <a:srcRect/>
+          <a:stretch>
+            <a:fillRect/>
+          </a:stretch>
+        </p:blipFill>
+        <p:spPr bwMode="auto">
+          <a:xfrm>
+            <a:off x="10966512" y="5451935"/>
+            <a:ext cx="1205379" cy="642869"/>
+          </a:xfrm>
+          <a:prstGeom prst="rect">
+            <a:avLst/>
+          </a:prstGeom>
+          <a:noFill/>
+          <a:extLst>
+            <a:ext uri="{909E8E84-426E-40DD-AFC4-6F175D3DCCD1}">
+              <a14:hiddenFill xmlns:a14="http://schemas.microsoft.com/office/drawing/2010/main">
+                <a:solidFill>
+                  <a:srgbClr val="FFFFFF"/>
+                </a:solidFill>
+              </a14:hiddenFill>
+            </a:ext>
+          </a:extLst>
+        </p:spPr>
+      </p:pic>
+      <p:pic>
+        <p:nvPicPr>
+          <p:cNvPr id="5" name="Picture 10" descr="Apvee">
+            <a:extLst>
+              <a:ext uri="{FF2B5EF4-FFF2-40B4-BE49-F238E27FC236}">
+                <a16:creationId xmlns:a16="http://schemas.microsoft.com/office/drawing/2014/main" id="{C39C0C1C-6486-59CE-9748-1706E22BAEB8}"/>
+              </a:ext>
+            </a:extLst>
+          </p:cNvPr>
+          <p:cNvPicPr>
+            <a:picLocks noChangeAspect="1" noChangeArrowheads="1"/>
+          </p:cNvPicPr>
+          <p:nvPr userDrawn="1"/>
+        </p:nvPicPr>
+        <p:blipFill>
+          <a:blip r:embed="rId10">
+            <a:extLst>
+              <a:ext uri="{28A0092B-C50C-407E-A947-70E740481C1C}">
+                <a14:useLocalDpi xmlns:a14="http://schemas.microsoft.com/office/drawing/2010/main" val="0"/>
+              </a:ext>
+            </a:extLst>
+          </a:blip>
+          <a:srcRect/>
+          <a:stretch>
+            <a:fillRect/>
+          </a:stretch>
+        </p:blipFill>
+        <p:spPr bwMode="auto">
+          <a:xfrm>
+            <a:off x="8723050" y="6030573"/>
+            <a:ext cx="1497616" cy="798729"/>
+          </a:xfrm>
+          <a:prstGeom prst="rect">
+            <a:avLst/>
+          </a:prstGeom>
+          <a:noFill/>
+          <a:extLst>
+            <a:ext uri="{909E8E84-426E-40DD-AFC4-6F175D3DCCD1}">
+              <a14:hiddenFill xmlns:a14="http://schemas.microsoft.com/office/drawing/2010/main">
+                <a:solidFill>
+                  <a:srgbClr val="FFFFFF"/>
+                </a:solidFill>
+              </a14:hiddenFill>
+            </a:ext>
+          </a:extLst>
+        </p:spPr>
+      </p:pic>
+      <p:pic>
+        <p:nvPicPr>
+          <p:cNvPr id="6" name="Picture 2">
+            <a:extLst>
+              <a:ext uri="{FF2B5EF4-FFF2-40B4-BE49-F238E27FC236}">
+                <a16:creationId xmlns:a16="http://schemas.microsoft.com/office/drawing/2014/main" id="{DDAFAF1F-BC63-F92D-0A39-0E81807526BB}"/>
+              </a:ext>
+            </a:extLst>
+          </p:cNvPr>
+          <p:cNvPicPr>
+            <a:picLocks noChangeAspect="1" noChangeArrowheads="1"/>
+          </p:cNvPicPr>
+          <p:nvPr userDrawn="1"/>
+        </p:nvPicPr>
+        <p:blipFill>
+          <a:blip r:embed="rId11">
+            <a:extLst>
+              <a:ext uri="{28A0092B-C50C-407E-A947-70E740481C1C}">
+                <a14:useLocalDpi xmlns:a14="http://schemas.microsoft.com/office/drawing/2010/main" val="0"/>
+              </a:ext>
+            </a:extLst>
+          </a:blip>
+          <a:srcRect/>
+          <a:stretch>
+            <a:fillRect/>
+          </a:stretch>
+        </p:blipFill>
+        <p:spPr bwMode="auto">
+          <a:xfrm>
+            <a:off x="10555622" y="6253272"/>
+            <a:ext cx="1053391" cy="400676"/>
           </a:xfrm>
           <a:prstGeom prst="rect">
             <a:avLst/>
@@ -2530,7 +2588,7 @@
     </p:spTree>
     <p:extLst>
       <p:ext uri="{BB962C8B-B14F-4D97-AF65-F5344CB8AC3E}">
-        <p14:creationId xmlns:p14="http://schemas.microsoft.com/office/powerpoint/2010/main" val="2504762907"/>
+        <p14:creationId xmlns:p14="http://schemas.microsoft.com/office/powerpoint/2010/main" val="1182125746"/>
       </p:ext>
     </p:extLst>
   </p:cSld>
@@ -2580,8 +2638,8 @@
         </p:blipFill>
         <p:spPr>
           <a:xfrm>
-            <a:off x="4259334" y="1576230"/>
-            <a:ext cx="3181213" cy="825570"/>
+            <a:off x="4543098" y="1576230"/>
+            <a:ext cx="3393150" cy="825570"/>
           </a:xfrm>
           <a:prstGeom prst="rect">
             <a:avLst/>
@@ -2602,29 +2660,27 @@
       </p:pic>
       <p:pic>
         <p:nvPicPr>
-          <p:cNvPr id="8" name="Google Shape;239;p1" descr="Logo BC Soft">
+          <p:cNvPr id="16" name="Google Shape;233;p1" descr="Logo Community DotNetCode">
             <a:extLst>
               <a:ext uri="{FF2B5EF4-FFF2-40B4-BE49-F238E27FC236}">
-                <a16:creationId xmlns:a16="http://schemas.microsoft.com/office/drawing/2014/main" id="{C5864EFD-AC34-106D-0C94-D512C88C2491}"/>
+                <a16:creationId xmlns:a16="http://schemas.microsoft.com/office/drawing/2014/main" id="{D9DDFB63-2BFB-8379-092B-30C0195BAA62}"/>
               </a:ext>
             </a:extLst>
           </p:cNvPr>
-          <p:cNvPicPr preferRelativeResize="0">
-            <a:picLocks noChangeAspect="1"/>
-          </p:cNvPicPr>
+          <p:cNvPicPr preferRelativeResize="0"/>
           <p:nvPr userDrawn="1"/>
         </p:nvPicPr>
         <p:blipFill rotWithShape="1">
           <a:blip r:embed="rId3">
             <a:alphaModFix/>
           </a:blip>
-          <a:srcRect l="4726" t="20069" r="6364" b="20697"/>
+          <a:srcRect/>
           <a:stretch/>
         </p:blipFill>
         <p:spPr>
           <a:xfrm>
-            <a:off x="1229517" y="5151375"/>
-            <a:ext cx="1761454" cy="625855"/>
+            <a:off x="11784529" y="6412834"/>
+            <a:ext cx="476425" cy="476445"/>
           </a:xfrm>
           <a:prstGeom prst="rect">
             <a:avLst/>
@@ -2635,39 +2691,6 @@
           </a:ln>
         </p:spPr>
       </p:pic>
-      <p:pic>
-        <p:nvPicPr>
-          <p:cNvPr id="16" name="Google Shape;233;p1" descr="Logo Community DotNetCode">
-            <a:extLst>
-              <a:ext uri="{FF2B5EF4-FFF2-40B4-BE49-F238E27FC236}">
-                <a16:creationId xmlns:a16="http://schemas.microsoft.com/office/drawing/2014/main" id="{D9DDFB63-2BFB-8379-092B-30C0195BAA62}"/>
-              </a:ext>
-            </a:extLst>
-          </p:cNvPr>
-          <p:cNvPicPr preferRelativeResize="0"/>
-          <p:nvPr userDrawn="1"/>
-        </p:nvPicPr>
-        <p:blipFill rotWithShape="1">
-          <a:blip r:embed="rId4">
-            <a:alphaModFix/>
-          </a:blip>
-          <a:srcRect/>
-          <a:stretch/>
-        </p:blipFill>
-        <p:spPr>
-          <a:xfrm>
-            <a:off x="11048464" y="6412833"/>
-            <a:ext cx="446667" cy="476445"/>
-          </a:xfrm>
-          <a:prstGeom prst="rect">
-            <a:avLst/>
-          </a:prstGeom>
-          <a:noFill/>
-          <a:ln>
-            <a:noFill/>
-          </a:ln>
-        </p:spPr>
-      </p:pic>
       <p:sp>
         <p:nvSpPr>
           <p:cNvPr id="20" name="TextBox 19">
@@ -2682,8 +2705,8 @@
         </p:nvSpPr>
         <p:spPr>
           <a:xfrm>
-            <a:off x="3" y="296398"/>
-            <a:ext cx="11699875" cy="746906"/>
+            <a:off x="4" y="296398"/>
+            <a:ext cx="12479338" cy="746906"/>
           </a:xfrm>
           <a:prstGeom prst="rect">
             <a:avLst/>
@@ -2721,7 +2744,7 @@
           <p:nvPr userDrawn="1"/>
         </p:nvPicPr>
         <p:blipFill>
-          <a:blip r:embed="rId5">
+          <a:blip r:embed="rId4">
             <a:alphaModFix/>
             <a:extLst>
               <a:ext uri="{28A0092B-C50C-407E-A947-70E740481C1C}">
@@ -2736,8 +2759,8 @@
         </p:blipFill>
         <p:spPr bwMode="auto">
           <a:xfrm>
-            <a:off x="2677869" y="3037782"/>
-            <a:ext cx="2361105" cy="1259257"/>
+            <a:off x="2856273" y="3037782"/>
+            <a:ext cx="2518405" cy="1259257"/>
           </a:xfrm>
           <a:prstGeom prst="rect">
             <a:avLst/>
@@ -2771,7 +2794,7 @@
           <p:nvPr userDrawn="1"/>
         </p:nvPicPr>
         <p:blipFill>
-          <a:blip r:embed="rId6">
+          <a:blip r:embed="rId5">
             <a:extLst>
               <a:ext uri="{28A0092B-C50C-407E-A947-70E740481C1C}">
                 <a14:useLocalDpi xmlns:a14="http://schemas.microsoft.com/office/drawing/2010/main" val="0"/>
@@ -2785,8 +2808,8 @@
         </p:blipFill>
         <p:spPr bwMode="auto">
           <a:xfrm>
-            <a:off x="6527657" y="2722890"/>
-            <a:ext cx="2951531" cy="1574150"/>
+            <a:off x="6962540" y="2722890"/>
+            <a:ext cx="3148166" cy="1574150"/>
           </a:xfrm>
           <a:prstGeom prst="rect">
             <a:avLst/>
@@ -2805,10 +2828,45 @@
       </p:pic>
       <p:pic>
         <p:nvPicPr>
-          <p:cNvPr id="5" name="Picture 6" descr="Key2">
+          <p:cNvPr id="12" name="Google Shape;239;p1" descr="Logo BC Soft">
             <a:extLst>
               <a:ext uri="{FF2B5EF4-FFF2-40B4-BE49-F238E27FC236}">
-                <a16:creationId xmlns:a16="http://schemas.microsoft.com/office/drawing/2014/main" id="{4E11E310-AFFC-7369-BA3F-88FAAA0E7F26}"/>
+                <a16:creationId xmlns:a16="http://schemas.microsoft.com/office/drawing/2014/main" id="{024F8572-58EF-3FF4-FF33-52D1ABB76EF9}"/>
+              </a:ext>
+            </a:extLst>
+          </p:cNvPr>
+          <p:cNvPicPr preferRelativeResize="0">
+            <a:picLocks noChangeAspect="1"/>
+          </p:cNvPicPr>
+          <p:nvPr userDrawn="1"/>
+        </p:nvPicPr>
+        <p:blipFill rotWithShape="1">
+          <a:blip r:embed="rId6">
+            <a:alphaModFix/>
+          </a:blip>
+          <a:srcRect l="4726" t="20069" r="6364" b="20697"/>
+          <a:stretch/>
+        </p:blipFill>
+        <p:spPr>
+          <a:xfrm>
+            <a:off x="994081" y="5151373"/>
+            <a:ext cx="1761454" cy="625855"/>
+          </a:xfrm>
+          <a:prstGeom prst="rect">
+            <a:avLst/>
+          </a:prstGeom>
+          <a:noFill/>
+          <a:ln>
+            <a:noFill/>
+          </a:ln>
+        </p:spPr>
+      </p:pic>
+      <p:pic>
+        <p:nvPicPr>
+          <p:cNvPr id="13" name="Picture 6" descr="Key2">
+            <a:extLst>
+              <a:ext uri="{FF2B5EF4-FFF2-40B4-BE49-F238E27FC236}">
+                <a16:creationId xmlns:a16="http://schemas.microsoft.com/office/drawing/2014/main" id="{7A6172E5-7129-1384-C87B-698384779BDD}"/>
               </a:ext>
             </a:extLst>
           </p:cNvPr>
@@ -2832,7 +2890,7 @@
         </p:blipFill>
         <p:spPr bwMode="auto">
           <a:xfrm>
-            <a:off x="3858419" y="5030913"/>
+            <a:off x="3282132" y="5064936"/>
             <a:ext cx="1497616" cy="798729"/>
           </a:xfrm>
           <a:prstGeom prst="rect">
@@ -2852,10 +2910,10 @@
       </p:pic>
       <p:pic>
         <p:nvPicPr>
-          <p:cNvPr id="15" name="Picture 8" descr="Lobra Futura">
+          <p:cNvPr id="14" name="Picture 8" descr="Lobra Futura">
             <a:extLst>
               <a:ext uri="{FF2B5EF4-FFF2-40B4-BE49-F238E27FC236}">
-                <a16:creationId xmlns:a16="http://schemas.microsoft.com/office/drawing/2014/main" id="{566E30DC-0052-D820-B13F-AA691B8DC5A5}"/>
+                <a16:creationId xmlns:a16="http://schemas.microsoft.com/office/drawing/2014/main" id="{64A7B7B5-15FF-1343-4167-851F5237DF73}"/>
               </a:ext>
             </a:extLst>
           </p:cNvPr>
@@ -2879,7 +2937,7 @@
         </p:blipFill>
         <p:spPr bwMode="auto">
           <a:xfrm>
-            <a:off x="8870874" y="5074224"/>
+            <a:off x="7612880" y="5074223"/>
             <a:ext cx="1462787" cy="780154"/>
           </a:xfrm>
           <a:prstGeom prst="rect">
@@ -2899,10 +2957,10 @@
       </p:pic>
       <p:pic>
         <p:nvPicPr>
-          <p:cNvPr id="17" name="Picture 10" descr="Apvee">
+          <p:cNvPr id="18" name="Picture 10" descr="Apvee">
             <a:extLst>
               <a:ext uri="{FF2B5EF4-FFF2-40B4-BE49-F238E27FC236}">
-                <a16:creationId xmlns:a16="http://schemas.microsoft.com/office/drawing/2014/main" id="{C69DE6B2-0EAC-A291-43CE-E6DA9E136318}"/>
+                <a16:creationId xmlns:a16="http://schemas.microsoft.com/office/drawing/2014/main" id="{5CD28EA1-0174-A342-FCA0-8E91722B8ED1}"/>
               </a:ext>
             </a:extLst>
           </p:cNvPr>
@@ -2926,8 +2984,55 @@
         </p:blipFill>
         <p:spPr bwMode="auto">
           <a:xfrm>
-            <a:off x="6223483" y="4989652"/>
+            <a:off x="5306345" y="4989650"/>
             <a:ext cx="1779938" cy="949301"/>
+          </a:xfrm>
+          <a:prstGeom prst="rect">
+            <a:avLst/>
+          </a:prstGeom>
+          <a:noFill/>
+          <a:extLst>
+            <a:ext uri="{909E8E84-426E-40DD-AFC4-6F175D3DCCD1}">
+              <a14:hiddenFill xmlns:a14="http://schemas.microsoft.com/office/drawing/2010/main">
+                <a:solidFill>
+                  <a:srgbClr val="FFFFFF"/>
+                </a:solidFill>
+              </a14:hiddenFill>
+            </a:ext>
+          </a:extLst>
+        </p:spPr>
+      </p:pic>
+      <p:pic>
+        <p:nvPicPr>
+          <p:cNvPr id="19" name="Picture 2">
+            <a:extLst>
+              <a:ext uri="{FF2B5EF4-FFF2-40B4-BE49-F238E27FC236}">
+                <a16:creationId xmlns:a16="http://schemas.microsoft.com/office/drawing/2014/main" id="{54E3E6ED-7714-2536-2648-226D4885271A}"/>
+              </a:ext>
+            </a:extLst>
+          </p:cNvPr>
+          <p:cNvPicPr>
+            <a:picLocks noChangeAspect="1" noChangeArrowheads="1"/>
+          </p:cNvPicPr>
+          <p:nvPr userDrawn="1"/>
+        </p:nvPicPr>
+        <p:blipFill>
+          <a:blip r:embed="rId10">
+            <a:extLst>
+              <a:ext uri="{28A0092B-C50C-407E-A947-70E740481C1C}">
+                <a14:useLocalDpi xmlns:a14="http://schemas.microsoft.com/office/drawing/2010/main" val="0"/>
+              </a:ext>
+            </a:extLst>
+          </a:blip>
+          <a:srcRect/>
+          <a:stretch>
+            <a:fillRect/>
+          </a:stretch>
+        </p:blipFill>
+        <p:spPr bwMode="auto">
+          <a:xfrm>
+            <a:off x="9602264" y="5319347"/>
+            <a:ext cx="1203788" cy="457882"/>
           </a:xfrm>
           <a:prstGeom prst="rect">
             <a:avLst/>
@@ -2947,7 +3052,7 @@
     </p:spTree>
     <p:extLst>
       <p:ext uri="{BB962C8B-B14F-4D97-AF65-F5344CB8AC3E}">
-        <p14:creationId xmlns:p14="http://schemas.microsoft.com/office/powerpoint/2010/main" val="4137377235"/>
+        <p14:creationId xmlns:p14="http://schemas.microsoft.com/office/powerpoint/2010/main" val="3668644937"/>
       </p:ext>
     </p:extLst>
   </p:cSld>
@@ -2962,7 +3067,7 @@
             <a:srgbClr val="FBAE40"/>
           </p15:clr>
         </p15:guide>
-        <p15:guide id="2" pos="3685">
+        <p15:guide id="2" pos="3931">
           <p15:clr>
             <a:srgbClr val="FBAE40"/>
           </p15:clr>
@@ -3008,7 +3113,7 @@
         <p:spPr>
           <a:xfrm>
             <a:off x="1" y="15600"/>
-            <a:ext cx="11699876" cy="7019925"/>
+            <a:ext cx="12479339" cy="7019925"/>
           </a:xfrm>
           <a:prstGeom prst="rect">
             <a:avLst/>
@@ -3064,8 +3169,8 @@
         </p:nvSpPr>
         <p:spPr>
           <a:xfrm rot="10800000" flipH="1">
-            <a:off x="3" y="-488"/>
-            <a:ext cx="8537671" cy="7020415"/>
+            <a:off x="4" y="-488"/>
+            <a:ext cx="9106463" cy="7020415"/>
           </a:xfrm>
           <a:custGeom>
             <a:avLst/>
@@ -3158,8 +3263,8 @@
         </p:nvSpPr>
         <p:spPr>
           <a:xfrm rot="10800000" flipH="1">
-            <a:off x="2" y="-489"/>
-            <a:ext cx="7769447" cy="7020416"/>
+            <a:off x="3" y="-489"/>
+            <a:ext cx="8287059" cy="7020416"/>
           </a:xfrm>
           <a:custGeom>
             <a:avLst/>
@@ -3261,8 +3366,8 @@
         </p:blipFill>
         <p:spPr>
           <a:xfrm>
-            <a:off x="10644044" y="161439"/>
-            <a:ext cx="941268" cy="1004018"/>
+            <a:off x="11353166" y="161439"/>
+            <a:ext cx="1003977" cy="1004018"/>
           </a:xfrm>
           <a:prstGeom prst="rect">
             <a:avLst/>
@@ -3288,7 +3393,7 @@
         <p:spPr>
           <a:xfrm>
             <a:off x="-2" y="3084410"/>
-            <a:ext cx="6071490" cy="806244"/>
+            <a:ext cx="6475982" cy="806244"/>
           </a:xfrm>
           <a:prstGeom prst="rect">
             <a:avLst/>
@@ -3342,8 +3447,8 @@
         </p:blipFill>
         <p:spPr bwMode="auto">
           <a:xfrm>
-            <a:off x="8177862" y="1817559"/>
-            <a:ext cx="2466182" cy="3416009"/>
+            <a:off x="8722683" y="1817559"/>
+            <a:ext cx="2630483" cy="3416009"/>
           </a:xfrm>
           <a:prstGeom prst="rect">
             <a:avLst/>
@@ -3378,8 +3483,8 @@
         </p:nvSpPr>
         <p:spPr>
           <a:xfrm>
-            <a:off x="880336" y="-2737379"/>
-            <a:ext cx="6889112" cy="503417"/>
+            <a:off x="938985" y="-2737379"/>
+            <a:ext cx="7348075" cy="503417"/>
           </a:xfrm>
           <a:prstGeom prst="rect">
             <a:avLst/>
@@ -3411,7 +3516,7 @@
     </p:spTree>
     <p:extLst>
       <p:ext uri="{BB962C8B-B14F-4D97-AF65-F5344CB8AC3E}">
-        <p14:creationId xmlns:p14="http://schemas.microsoft.com/office/powerpoint/2010/main" val="2041699123"/>
+        <p14:creationId xmlns:p14="http://schemas.microsoft.com/office/powerpoint/2010/main" val="3499072157"/>
       </p:ext>
     </p:extLst>
   </p:cSld>
@@ -3456,7 +3561,7 @@
         <p:spPr>
           <a:xfrm>
             <a:off x="1" y="15600"/>
-            <a:ext cx="11699876" cy="7019925"/>
+            <a:ext cx="12479339" cy="7019925"/>
           </a:xfrm>
           <a:prstGeom prst="rect">
             <a:avLst/>
@@ -3512,8 +3617,8 @@
         </p:nvSpPr>
         <p:spPr>
           <a:xfrm rot="10800000" flipH="1">
-            <a:off x="3" y="-488"/>
-            <a:ext cx="8537671" cy="7020415"/>
+            <a:off x="4" y="-488"/>
+            <a:ext cx="9106463" cy="7020415"/>
           </a:xfrm>
           <a:custGeom>
             <a:avLst/>
@@ -3606,8 +3711,8 @@
         </p:nvSpPr>
         <p:spPr>
           <a:xfrm rot="10800000" flipH="1">
-            <a:off x="2" y="-489"/>
-            <a:ext cx="7769447" cy="7020416"/>
+            <a:off x="3" y="-489"/>
+            <a:ext cx="8287059" cy="7020416"/>
           </a:xfrm>
           <a:custGeom>
             <a:avLst/>
@@ -3709,8 +3814,8 @@
         </p:blipFill>
         <p:spPr>
           <a:xfrm>
-            <a:off x="10644044" y="161439"/>
-            <a:ext cx="941268" cy="1004018"/>
+            <a:off x="11353166" y="161439"/>
+            <a:ext cx="1003977" cy="1004018"/>
           </a:xfrm>
           <a:prstGeom prst="rect">
             <a:avLst/>
@@ -3736,7 +3841,7 @@
         <p:spPr>
           <a:xfrm>
             <a:off x="-2" y="3084410"/>
-            <a:ext cx="6071490" cy="806244"/>
+            <a:ext cx="6475982" cy="806244"/>
           </a:xfrm>
           <a:prstGeom prst="rect">
             <a:avLst/>
@@ -3790,8 +3895,8 @@
         </p:blipFill>
         <p:spPr bwMode="auto">
           <a:xfrm>
-            <a:off x="8177862" y="1817559"/>
-            <a:ext cx="2466182" cy="3416009"/>
+            <a:off x="8722683" y="1817559"/>
+            <a:ext cx="2630483" cy="3416009"/>
           </a:xfrm>
           <a:prstGeom prst="rect">
             <a:avLst/>
@@ -3826,8 +3931,8 @@
         </p:nvSpPr>
         <p:spPr>
           <a:xfrm>
-            <a:off x="591646" y="-2762792"/>
-            <a:ext cx="6889112" cy="1656120"/>
+            <a:off x="631062" y="-2762792"/>
+            <a:ext cx="7348075" cy="1656120"/>
           </a:xfrm>
           <a:prstGeom prst="rect">
             <a:avLst/>
@@ -3859,7 +3964,7 @@
     </p:spTree>
     <p:extLst>
       <p:ext uri="{BB962C8B-B14F-4D97-AF65-F5344CB8AC3E}">
-        <p14:creationId xmlns:p14="http://schemas.microsoft.com/office/powerpoint/2010/main" val="3771570804"/>
+        <p14:creationId xmlns:p14="http://schemas.microsoft.com/office/powerpoint/2010/main" val="3256905951"/>
       </p:ext>
     </p:extLst>
   </p:cSld>
@@ -3904,7 +4009,7 @@
         <p:spPr>
           <a:xfrm>
             <a:off x="1" y="15600"/>
-            <a:ext cx="11699876" cy="7019925"/>
+            <a:ext cx="12479339" cy="7019925"/>
           </a:xfrm>
           <a:prstGeom prst="rect">
             <a:avLst/>
@@ -3960,8 +4065,8 @@
         </p:nvSpPr>
         <p:spPr>
           <a:xfrm rot="10800000" flipH="1">
-            <a:off x="3" y="-488"/>
-            <a:ext cx="8537671" cy="7020415"/>
+            <a:off x="4" y="-488"/>
+            <a:ext cx="9106463" cy="7020415"/>
           </a:xfrm>
           <a:custGeom>
             <a:avLst/>
@@ -4054,8 +4159,8 @@
         </p:nvSpPr>
         <p:spPr>
           <a:xfrm rot="10800000" flipH="1">
-            <a:off x="2" y="-489"/>
-            <a:ext cx="7769447" cy="7020416"/>
+            <a:off x="3" y="-489"/>
+            <a:ext cx="8287059" cy="7020416"/>
           </a:xfrm>
           <a:custGeom>
             <a:avLst/>
@@ -4157,8 +4262,8 @@
         </p:blipFill>
         <p:spPr>
           <a:xfrm>
-            <a:off x="10644044" y="161439"/>
-            <a:ext cx="941268" cy="1004018"/>
+            <a:off x="11353166" y="161439"/>
+            <a:ext cx="1003977" cy="1004018"/>
           </a:xfrm>
           <a:prstGeom prst="rect">
             <a:avLst/>
@@ -4198,8 +4303,8 @@
         </p:blipFill>
         <p:spPr bwMode="auto">
           <a:xfrm>
-            <a:off x="8177862" y="1817559"/>
-            <a:ext cx="2466182" cy="3416009"/>
+            <a:off x="8722683" y="1817559"/>
+            <a:ext cx="2630483" cy="3416009"/>
           </a:xfrm>
           <a:prstGeom prst="rect">
             <a:avLst/>
@@ -4234,8 +4339,8 @@
         </p:nvSpPr>
         <p:spPr>
           <a:xfrm>
-            <a:off x="1771364" y="2271333"/>
-            <a:ext cx="2497473" cy="2476772"/>
+            <a:off x="1889376" y="2271333"/>
+            <a:ext cx="2663858" cy="2476772"/>
           </a:xfrm>
           <a:prstGeom prst="rect">
             <a:avLst/>
@@ -4304,8 +4409,8 @@
         </p:nvSpPr>
         <p:spPr>
           <a:xfrm>
-            <a:off x="216532" y="161439"/>
-            <a:ext cx="10091142" cy="937549"/>
+            <a:off x="230958" y="161440"/>
+            <a:ext cx="10763429" cy="937549"/>
           </a:xfrm>
           <a:prstGeom prst="rect">
             <a:avLst/>
@@ -4335,7 +4440,7 @@
     </p:spTree>
     <p:extLst>
       <p:ext uri="{BB962C8B-B14F-4D97-AF65-F5344CB8AC3E}">
-        <p14:creationId xmlns:p14="http://schemas.microsoft.com/office/powerpoint/2010/main" val="1112602994"/>
+        <p14:creationId xmlns:p14="http://schemas.microsoft.com/office/powerpoint/2010/main" val="1580524844"/>
       </p:ext>
     </p:extLst>
   </p:cSld>
@@ -4402,8 +4507,8 @@
         </p:nvSpPr>
         <p:spPr>
           <a:xfrm>
-            <a:off x="299809" y="46150"/>
-            <a:ext cx="10018018" cy="1116038"/>
+            <a:off x="319783" y="46150"/>
+            <a:ext cx="10685433" cy="1116038"/>
           </a:xfrm>
           <a:prstGeom prst="rect">
             <a:avLst/>
@@ -4447,8 +4552,8 @@
         </p:nvSpPr>
         <p:spPr>
           <a:xfrm>
-            <a:off x="299812" y="1341587"/>
-            <a:ext cx="11107569" cy="4833024"/>
+            <a:off x="319786" y="1341587"/>
+            <a:ext cx="11847572" cy="4833024"/>
           </a:xfrm>
           <a:prstGeom prst="rect">
             <a:avLst/>
@@ -4512,8 +4617,8 @@
         </p:nvSpPr>
         <p:spPr>
           <a:xfrm>
-            <a:off x="3" y="1208989"/>
-            <a:ext cx="11699875" cy="5113822"/>
+            <a:off x="4" y="1208989"/>
+            <a:ext cx="12479338" cy="5113822"/>
           </a:xfrm>
           <a:prstGeom prst="rect">
             <a:avLst/>
@@ -4574,8 +4679,8 @@
         </p:blipFill>
         <p:spPr>
           <a:xfrm>
-            <a:off x="11048464" y="6412833"/>
-            <a:ext cx="446667" cy="476445"/>
+            <a:off x="11784529" y="6412834"/>
+            <a:ext cx="476425" cy="476445"/>
           </a:xfrm>
           <a:prstGeom prst="rect">
             <a:avLst/>
@@ -4615,8 +4720,8 @@
         </p:blipFill>
         <p:spPr bwMode="auto">
           <a:xfrm flipH="1">
-            <a:off x="10735866" y="139099"/>
-            <a:ext cx="671512" cy="930140"/>
+            <a:off x="11451105" y="139099"/>
+            <a:ext cx="716249" cy="930140"/>
           </a:xfrm>
           <a:prstGeom prst="rect">
             <a:avLst/>
@@ -4755,7 +4860,7 @@
           <a:p>
             <a:fld id="{C764DE79-268F-4C1A-8933-263129D2AF90}" type="datetimeFigureOut">
               <a:rPr lang="en-US" smtClean="0"/>
-              <a:t>9/9/2025</a:t>
+              <a:t>9/24/2025</a:t>
             </a:fld>
             <a:endParaRPr lang="en-US" dirty="0"/>
           </a:p>
@@ -4808,7 +4913,7 @@
           <p:cNvPr id="7" name="Rectangle 6">
             <a:extLst>
               <a:ext uri="{FF2B5EF4-FFF2-40B4-BE49-F238E27FC236}">
-                <a16:creationId xmlns:a16="http://schemas.microsoft.com/office/drawing/2014/main" id="{1A97C27B-BE0D-3339-6B71-EA3D9AF63098}"/>
+                <a16:creationId xmlns:a16="http://schemas.microsoft.com/office/drawing/2014/main" id="{52F6D09C-D0F4-401F-2C48-8A0F7BBDB57F}"/>
               </a:ext>
               <a:ext uri="{C183D7F6-B498-43B3-948B-1728B52AA6E4}">
                 <adec:decorative xmlns:adec="http://schemas.microsoft.com/office/drawing/2017/decorative" val="1"/>
@@ -4820,8 +4925,8 @@
         </p:nvSpPr>
         <p:spPr>
           <a:xfrm>
-            <a:off x="3" y="1208989"/>
-            <a:ext cx="11699875" cy="5113822"/>
+            <a:off x="4" y="1208989"/>
+            <a:ext cx="12479338" cy="5113822"/>
           </a:xfrm>
           <a:prstGeom prst="rect">
             <a:avLst/>
@@ -4863,7 +4968,7 @@
           <p:cNvPr id="8" name="Google Shape;233;p1">
             <a:extLst>
               <a:ext uri="{FF2B5EF4-FFF2-40B4-BE49-F238E27FC236}">
-                <a16:creationId xmlns:a16="http://schemas.microsoft.com/office/drawing/2014/main" id="{4FED835C-9FB8-B21D-F040-89AE6AAE21C5}"/>
+                <a16:creationId xmlns:a16="http://schemas.microsoft.com/office/drawing/2014/main" id="{C386D7E0-9917-F879-274E-83C26016457D}"/>
               </a:ext>
               <a:ext uri="{C183D7F6-B498-43B3-948B-1728B52AA6E4}">
                 <adec:decorative xmlns:adec="http://schemas.microsoft.com/office/drawing/2017/decorative" val="1"/>
@@ -4882,8 +4987,8 @@
         </p:blipFill>
         <p:spPr>
           <a:xfrm>
-            <a:off x="11048464" y="6412833"/>
-            <a:ext cx="446667" cy="476445"/>
+            <a:off x="11784529" y="6412834"/>
+            <a:ext cx="476425" cy="476445"/>
           </a:xfrm>
           <a:prstGeom prst="rect">
             <a:avLst/>
@@ -4899,7 +5004,7 @@
           <p:cNvPr id="9" name="Picture 12" descr="Power Agent Conference 2025">
             <a:extLst>
               <a:ext uri="{FF2B5EF4-FFF2-40B4-BE49-F238E27FC236}">
-                <a16:creationId xmlns:a16="http://schemas.microsoft.com/office/drawing/2014/main" id="{4735D3BC-3ED8-DBEF-C6C8-72F870C7632B}"/>
+                <a16:creationId xmlns:a16="http://schemas.microsoft.com/office/drawing/2014/main" id="{49904AF8-3CFD-5A45-DA0B-E931002D21C1}"/>
               </a:ext>
             </a:extLst>
           </p:cNvPr>
@@ -4923,8 +5028,8 @@
         </p:blipFill>
         <p:spPr bwMode="auto">
           <a:xfrm flipH="1">
-            <a:off x="10735866" y="139099"/>
-            <a:ext cx="671512" cy="930140"/>
+            <a:off x="11451105" y="139099"/>
+            <a:ext cx="716249" cy="930140"/>
           </a:xfrm>
           <a:prstGeom prst="rect">
             <a:avLst/>
@@ -4944,7 +5049,7 @@
     </p:spTree>
     <p:extLst>
       <p:ext uri="{BB962C8B-B14F-4D97-AF65-F5344CB8AC3E}">
-        <p14:creationId xmlns:p14="http://schemas.microsoft.com/office/powerpoint/2010/main" val="856869475"/>
+        <p14:creationId xmlns:p14="http://schemas.microsoft.com/office/powerpoint/2010/main" val="973986485"/>
       </p:ext>
     </p:extLst>
   </p:cSld>
@@ -4983,15 +5088,15 @@
         </p:nvSpPr>
         <p:spPr>
           <a:xfrm>
-            <a:off x="798273" y="1750107"/>
-            <a:ext cx="10091142" cy="2920093"/>
+            <a:off x="851455" y="1750107"/>
+            <a:ext cx="10763429" cy="2920093"/>
           </a:xfrm>
         </p:spPr>
         <p:txBody>
           <a:bodyPr anchor="b"/>
           <a:lstStyle>
             <a:lvl1pPr>
-              <a:defRPr sz="5758"/>
+              <a:defRPr sz="6142"/>
             </a:lvl1pPr>
           </a:lstStyle>
           <a:p>
@@ -5015,8 +5120,8 @@
         </p:nvSpPr>
         <p:spPr>
           <a:xfrm>
-            <a:off x="798273" y="4697826"/>
-            <a:ext cx="10091142" cy="1535608"/>
+            <a:off x="851455" y="4697826"/>
+            <a:ext cx="10763429" cy="1535608"/>
           </a:xfrm>
         </p:spPr>
         <p:txBody>
@@ -5024,7 +5129,7 @@
           <a:lstStyle>
             <a:lvl1pPr marL="0" indent="0">
               <a:buNone/>
-              <a:defRPr sz="2303">
+              <a:defRPr sz="2457">
                 <a:solidFill>
                   <a:schemeClr val="tx1">
                     <a:tint val="82000"/>
@@ -5032,9 +5137,9 @@
                 </a:solidFill>
               </a:defRPr>
             </a:lvl1pPr>
-            <a:lvl2pPr marL="438729" indent="0">
+            <a:lvl2pPr marL="467990" indent="0">
               <a:buNone/>
-              <a:defRPr sz="1919">
+              <a:defRPr sz="2047">
                 <a:solidFill>
                   <a:schemeClr val="tx1">
                     <a:tint val="82000"/>
@@ -5042,9 +5147,9 @@
                 </a:solidFill>
               </a:defRPr>
             </a:lvl2pPr>
-            <a:lvl3pPr marL="877458" indent="0">
+            <a:lvl3pPr marL="935980" indent="0">
               <a:buNone/>
-              <a:defRPr sz="1727">
+              <a:defRPr sz="1842">
                 <a:solidFill>
                   <a:schemeClr val="tx1">
                     <a:tint val="82000"/>
@@ -5052,9 +5157,9 @@
                 </a:solidFill>
               </a:defRPr>
             </a:lvl3pPr>
-            <a:lvl4pPr marL="1316187" indent="0">
+            <a:lvl4pPr marL="1403970" indent="0">
               <a:buNone/>
-              <a:defRPr sz="1535">
+              <a:defRPr sz="1638">
                 <a:solidFill>
                   <a:schemeClr val="tx1">
                     <a:tint val="82000"/>
@@ -5062,9 +5167,9 @@
                 </a:solidFill>
               </a:defRPr>
             </a:lvl4pPr>
-            <a:lvl5pPr marL="1754916" indent="0">
+            <a:lvl5pPr marL="1871960" indent="0">
               <a:buNone/>
-              <a:defRPr sz="1535">
+              <a:defRPr sz="1638">
                 <a:solidFill>
                   <a:schemeClr val="tx1">
                     <a:tint val="82000"/>
@@ -5072,9 +5177,9 @@
                 </a:solidFill>
               </a:defRPr>
             </a:lvl5pPr>
-            <a:lvl6pPr marL="2193646" indent="0">
+            <a:lvl6pPr marL="2339950" indent="0">
               <a:buNone/>
-              <a:defRPr sz="1535">
+              <a:defRPr sz="1638">
                 <a:solidFill>
                   <a:schemeClr val="tx1">
                     <a:tint val="82000"/>
@@ -5082,9 +5187,9 @@
                 </a:solidFill>
               </a:defRPr>
             </a:lvl6pPr>
-            <a:lvl7pPr marL="2632375" indent="0">
+            <a:lvl7pPr marL="2807940" indent="0">
               <a:buNone/>
-              <a:defRPr sz="1535">
+              <a:defRPr sz="1638">
                 <a:solidFill>
                   <a:schemeClr val="tx1">
                     <a:tint val="82000"/>
@@ -5092,9 +5197,9 @@
                 </a:solidFill>
               </a:defRPr>
             </a:lvl7pPr>
-            <a:lvl8pPr marL="3071104" indent="0">
+            <a:lvl8pPr marL="3275929" indent="0">
               <a:buNone/>
-              <a:defRPr sz="1535">
+              <a:defRPr sz="1638">
                 <a:solidFill>
                   <a:schemeClr val="tx1">
                     <a:tint val="82000"/>
@@ -5102,9 +5207,9 @@
                 </a:solidFill>
               </a:defRPr>
             </a:lvl8pPr>
-            <a:lvl9pPr marL="3509833" indent="0">
+            <a:lvl9pPr marL="3743919" indent="0">
               <a:buNone/>
-              <a:defRPr sz="1535">
+              <a:defRPr sz="1638">
                 <a:solidFill>
                   <a:schemeClr val="tx1">
                     <a:tint val="82000"/>
@@ -5139,7 +5244,7 @@
           <a:p>
             <a:fld id="{C764DE79-268F-4C1A-8933-263129D2AF90}" type="datetimeFigureOut">
               <a:rPr lang="en-US" smtClean="0"/>
-              <a:t>9/9/2025</a:t>
+              <a:t>9/24/2025</a:t>
             </a:fld>
             <a:endParaRPr lang="en-US" dirty="0"/>
           </a:p>
@@ -5190,7 +5295,7 @@
     </p:spTree>
     <p:extLst>
       <p:ext uri="{BB962C8B-B14F-4D97-AF65-F5344CB8AC3E}">
-        <p14:creationId xmlns:p14="http://schemas.microsoft.com/office/powerpoint/2010/main" val="3978073160"/>
+        <p14:creationId xmlns:p14="http://schemas.microsoft.com/office/powerpoint/2010/main" val="2262755853"/>
       </p:ext>
     </p:extLst>
   </p:cSld>
@@ -5252,8 +5357,8 @@
         </p:nvSpPr>
         <p:spPr>
           <a:xfrm>
-            <a:off x="804366" y="1868730"/>
-            <a:ext cx="4972447" cy="4454078"/>
+            <a:off x="857954" y="1868730"/>
+            <a:ext cx="5303719" cy="4454078"/>
           </a:xfrm>
         </p:spPr>
         <p:txBody>
@@ -5309,8 +5414,8 @@
         </p:nvSpPr>
         <p:spPr>
           <a:xfrm>
-            <a:off x="5923062" y="1868730"/>
-            <a:ext cx="4972447" cy="4454078"/>
+            <a:off x="6317665" y="1868730"/>
+            <a:ext cx="5303719" cy="4454078"/>
           </a:xfrm>
         </p:spPr>
         <p:txBody>
@@ -5371,7 +5476,7 @@
           <a:p>
             <a:fld id="{C764DE79-268F-4C1A-8933-263129D2AF90}" type="datetimeFigureOut">
               <a:rPr lang="en-US" smtClean="0"/>
-              <a:t>9/9/2025</a:t>
+              <a:t>9/24/2025</a:t>
             </a:fld>
             <a:endParaRPr lang="en-US" dirty="0"/>
           </a:p>
@@ -5422,7 +5527,7 @@
     </p:spTree>
     <p:extLst>
       <p:ext uri="{BB962C8B-B14F-4D97-AF65-F5344CB8AC3E}">
-        <p14:creationId xmlns:p14="http://schemas.microsoft.com/office/powerpoint/2010/main" val="51077031"/>
+        <p14:creationId xmlns:p14="http://schemas.microsoft.com/office/powerpoint/2010/main" val="3339420041"/>
       </p:ext>
     </p:extLst>
   </p:cSld>
@@ -5461,8 +5566,8 @@
         </p:nvSpPr>
         <p:spPr>
           <a:xfrm>
-            <a:off x="805890" y="373747"/>
-            <a:ext cx="10091142" cy="1356861"/>
+            <a:off x="859580" y="373747"/>
+            <a:ext cx="10763429" cy="1356861"/>
           </a:xfrm>
         </p:spPr>
         <p:txBody>
@@ -5489,8 +5594,8 @@
         </p:nvSpPr>
         <p:spPr>
           <a:xfrm>
-            <a:off x="805891" y="1720857"/>
-            <a:ext cx="4949595" cy="843365"/>
+            <a:off x="859581" y="1720857"/>
+            <a:ext cx="5279344" cy="843365"/>
           </a:xfrm>
         </p:spPr>
         <p:txBody>
@@ -5498,39 +5603,39 @@
           <a:lstStyle>
             <a:lvl1pPr marL="0" indent="0">
               <a:buNone/>
-              <a:defRPr sz="2303" b="1"/>
+              <a:defRPr sz="2457" b="1"/>
             </a:lvl1pPr>
-            <a:lvl2pPr marL="438729" indent="0">
+            <a:lvl2pPr marL="467990" indent="0">
               <a:buNone/>
-              <a:defRPr sz="1919" b="1"/>
+              <a:defRPr sz="2047" b="1"/>
             </a:lvl2pPr>
-            <a:lvl3pPr marL="877458" indent="0">
+            <a:lvl3pPr marL="935980" indent="0">
               <a:buNone/>
-              <a:defRPr sz="1727" b="1"/>
+              <a:defRPr sz="1842" b="1"/>
             </a:lvl3pPr>
-            <a:lvl4pPr marL="1316187" indent="0">
+            <a:lvl4pPr marL="1403970" indent="0">
               <a:buNone/>
-              <a:defRPr sz="1535" b="1"/>
+              <a:defRPr sz="1638" b="1"/>
             </a:lvl4pPr>
-            <a:lvl5pPr marL="1754916" indent="0">
+            <a:lvl5pPr marL="1871960" indent="0">
               <a:buNone/>
-              <a:defRPr sz="1535" b="1"/>
+              <a:defRPr sz="1638" b="1"/>
             </a:lvl5pPr>
-            <a:lvl6pPr marL="2193646" indent="0">
+            <a:lvl6pPr marL="2339950" indent="0">
               <a:buNone/>
-              <a:defRPr sz="1535" b="1"/>
+              <a:defRPr sz="1638" b="1"/>
             </a:lvl6pPr>
-            <a:lvl7pPr marL="2632375" indent="0">
+            <a:lvl7pPr marL="2807940" indent="0">
               <a:buNone/>
-              <a:defRPr sz="1535" b="1"/>
+              <a:defRPr sz="1638" b="1"/>
             </a:lvl7pPr>
-            <a:lvl8pPr marL="3071104" indent="0">
+            <a:lvl8pPr marL="3275929" indent="0">
               <a:buNone/>
-              <a:defRPr sz="1535" b="1"/>
+              <a:defRPr sz="1638" b="1"/>
             </a:lvl8pPr>
-            <a:lvl9pPr marL="3509833" indent="0">
+            <a:lvl9pPr marL="3743919" indent="0">
               <a:buNone/>
-              <a:defRPr sz="1535" b="1"/>
+              <a:defRPr sz="1638" b="1"/>
             </a:lvl9pPr>
           </a:lstStyle>
           <a:p>
@@ -5554,8 +5659,8 @@
         </p:nvSpPr>
         <p:spPr>
           <a:xfrm>
-            <a:off x="805891" y="2564223"/>
-            <a:ext cx="4949595" cy="3771585"/>
+            <a:off x="859581" y="2564223"/>
+            <a:ext cx="5279344" cy="3771585"/>
           </a:xfrm>
         </p:spPr>
         <p:txBody>
@@ -5611,8 +5716,8 @@
         </p:nvSpPr>
         <p:spPr>
           <a:xfrm>
-            <a:off x="5923062" y="1720857"/>
-            <a:ext cx="4973971" cy="843365"/>
+            <a:off x="6317665" y="1720857"/>
+            <a:ext cx="5305344" cy="843365"/>
           </a:xfrm>
         </p:spPr>
         <p:txBody>
@@ -5620,39 +5725,39 @@
           <a:lstStyle>
             <a:lvl1pPr marL="0" indent="0">
               <a:buNone/>
-              <a:defRPr sz="2303" b="1"/>
+              <a:defRPr sz="2457" b="1"/>
             </a:lvl1pPr>
-            <a:lvl2pPr marL="438729" indent="0">
+            <a:lvl2pPr marL="467990" indent="0">
               <a:buNone/>
-              <a:defRPr sz="1919" b="1"/>
+              <a:defRPr sz="2047" b="1"/>
             </a:lvl2pPr>
-            <a:lvl3pPr marL="877458" indent="0">
+            <a:lvl3pPr marL="935980" indent="0">
               <a:buNone/>
-              <a:defRPr sz="1727" b="1"/>
+              <a:defRPr sz="1842" b="1"/>
             </a:lvl3pPr>
-            <a:lvl4pPr marL="1316187" indent="0">
+            <a:lvl4pPr marL="1403970" indent="0">
               <a:buNone/>
-              <a:defRPr sz="1535" b="1"/>
+              <a:defRPr sz="1638" b="1"/>
             </a:lvl4pPr>
-            <a:lvl5pPr marL="1754916" indent="0">
+            <a:lvl5pPr marL="1871960" indent="0">
               <a:buNone/>
-              <a:defRPr sz="1535" b="1"/>
+              <a:defRPr sz="1638" b="1"/>
             </a:lvl5pPr>
-            <a:lvl6pPr marL="2193646" indent="0">
+            <a:lvl6pPr marL="2339950" indent="0">
               <a:buNone/>
-              <a:defRPr sz="1535" b="1"/>
+              <a:defRPr sz="1638" b="1"/>
             </a:lvl6pPr>
-            <a:lvl7pPr marL="2632375" indent="0">
+            <a:lvl7pPr marL="2807940" indent="0">
               <a:buNone/>
-              <a:defRPr sz="1535" b="1"/>
+              <a:defRPr sz="1638" b="1"/>
             </a:lvl7pPr>
-            <a:lvl8pPr marL="3071104" indent="0">
+            <a:lvl8pPr marL="3275929" indent="0">
               <a:buNone/>
-              <a:defRPr sz="1535" b="1"/>
+              <a:defRPr sz="1638" b="1"/>
             </a:lvl8pPr>
-            <a:lvl9pPr marL="3509833" indent="0">
+            <a:lvl9pPr marL="3743919" indent="0">
               <a:buNone/>
-              <a:defRPr sz="1535" b="1"/>
+              <a:defRPr sz="1638" b="1"/>
             </a:lvl9pPr>
           </a:lstStyle>
           <a:p>
@@ -5676,8 +5781,8 @@
         </p:nvSpPr>
         <p:spPr>
           <a:xfrm>
-            <a:off x="5923062" y="2564223"/>
-            <a:ext cx="4973971" cy="3771585"/>
+            <a:off x="6317665" y="2564223"/>
+            <a:ext cx="5305344" cy="3771585"/>
           </a:xfrm>
         </p:spPr>
         <p:txBody>
@@ -5738,7 +5843,7 @@
           <a:p>
             <a:fld id="{C764DE79-268F-4C1A-8933-263129D2AF90}" type="datetimeFigureOut">
               <a:rPr lang="en-US" smtClean="0"/>
-              <a:t>9/9/2025</a:t>
+              <a:t>9/24/2025</a:t>
             </a:fld>
             <a:endParaRPr lang="en-US" dirty="0"/>
           </a:p>
@@ -5789,7 +5894,7 @@
     </p:spTree>
     <p:extLst>
       <p:ext uri="{BB962C8B-B14F-4D97-AF65-F5344CB8AC3E}">
-        <p14:creationId xmlns:p14="http://schemas.microsoft.com/office/powerpoint/2010/main" val="1118461780"/>
+        <p14:creationId xmlns:p14="http://schemas.microsoft.com/office/powerpoint/2010/main" val="2663360256"/>
       </p:ext>
     </p:extLst>
   </p:cSld>
@@ -5856,7 +5961,7 @@
           <a:p>
             <a:fld id="{C764DE79-268F-4C1A-8933-263129D2AF90}" type="datetimeFigureOut">
               <a:rPr lang="en-US" smtClean="0"/>
-              <a:t>9/9/2025</a:t>
+              <a:t>9/24/2025</a:t>
             </a:fld>
             <a:endParaRPr lang="en-US" dirty="0"/>
           </a:p>
@@ -5907,7 +6012,7 @@
     </p:spTree>
     <p:extLst>
       <p:ext uri="{BB962C8B-B14F-4D97-AF65-F5344CB8AC3E}">
-        <p14:creationId xmlns:p14="http://schemas.microsoft.com/office/powerpoint/2010/main" val="2941278137"/>
+        <p14:creationId xmlns:p14="http://schemas.microsoft.com/office/powerpoint/2010/main" val="2061805142"/>
       </p:ext>
     </p:extLst>
   </p:cSld>
@@ -5951,7 +6056,7 @@
           <a:p>
             <a:fld id="{C764DE79-268F-4C1A-8933-263129D2AF90}" type="datetimeFigureOut">
               <a:rPr lang="en-US" smtClean="0"/>
-              <a:t>9/9/2025</a:t>
+              <a:t>9/24/2025</a:t>
             </a:fld>
             <a:endParaRPr lang="en-US" dirty="0"/>
           </a:p>
@@ -6002,7 +6107,7 @@
     </p:spTree>
     <p:extLst>
       <p:ext uri="{BB962C8B-B14F-4D97-AF65-F5344CB8AC3E}">
-        <p14:creationId xmlns:p14="http://schemas.microsoft.com/office/powerpoint/2010/main" val="4098001858"/>
+        <p14:creationId xmlns:p14="http://schemas.microsoft.com/office/powerpoint/2010/main" val="1115098964"/>
       </p:ext>
     </p:extLst>
   </p:cSld>
@@ -6041,15 +6146,15 @@
         </p:nvSpPr>
         <p:spPr>
           <a:xfrm>
-            <a:off x="805891" y="467995"/>
-            <a:ext cx="3773514" cy="1637983"/>
+            <a:off x="859580" y="467995"/>
+            <a:ext cx="4024911" cy="1637983"/>
           </a:xfrm>
         </p:spPr>
         <p:txBody>
           <a:bodyPr anchor="b"/>
           <a:lstStyle>
             <a:lvl1pPr>
-              <a:defRPr sz="3071"/>
+              <a:defRPr sz="3276"/>
             </a:lvl1pPr>
           </a:lstStyle>
           <a:p>
@@ -6073,39 +6178,39 @@
         </p:nvSpPr>
         <p:spPr>
           <a:xfrm>
-            <a:off x="4973971" y="1010740"/>
-            <a:ext cx="5923062" cy="4988697"/>
+            <a:off x="5305344" y="1010740"/>
+            <a:ext cx="6317665" cy="4988697"/>
           </a:xfrm>
         </p:spPr>
         <p:txBody>
           <a:bodyPr/>
           <a:lstStyle>
             <a:lvl1pPr>
-              <a:defRPr sz="3071"/>
+              <a:defRPr sz="3276"/>
             </a:lvl1pPr>
             <a:lvl2pPr>
-              <a:defRPr sz="2687"/>
+              <a:defRPr sz="2866"/>
             </a:lvl2pPr>
             <a:lvl3pPr>
-              <a:defRPr sz="2303"/>
+              <a:defRPr sz="2457"/>
             </a:lvl3pPr>
             <a:lvl4pPr>
-              <a:defRPr sz="1919"/>
+              <a:defRPr sz="2047"/>
             </a:lvl4pPr>
             <a:lvl5pPr>
-              <a:defRPr sz="1919"/>
+              <a:defRPr sz="2047"/>
             </a:lvl5pPr>
             <a:lvl6pPr>
-              <a:defRPr sz="1919"/>
+              <a:defRPr sz="2047"/>
             </a:lvl6pPr>
             <a:lvl7pPr>
-              <a:defRPr sz="1919"/>
+              <a:defRPr sz="2047"/>
             </a:lvl7pPr>
             <a:lvl8pPr>
-              <a:defRPr sz="1919"/>
+              <a:defRPr sz="2047"/>
             </a:lvl8pPr>
             <a:lvl9pPr>
-              <a:defRPr sz="1919"/>
+              <a:defRPr sz="2047"/>
             </a:lvl9pPr>
           </a:lstStyle>
           <a:p>
@@ -6158,8 +6263,8 @@
         </p:nvSpPr>
         <p:spPr>
           <a:xfrm>
-            <a:off x="805891" y="2105977"/>
-            <a:ext cx="3773514" cy="3901584"/>
+            <a:off x="859580" y="2105977"/>
+            <a:ext cx="4024911" cy="3901584"/>
           </a:xfrm>
         </p:spPr>
         <p:txBody>
@@ -6167,39 +6272,39 @@
           <a:lstStyle>
             <a:lvl1pPr marL="0" indent="0">
               <a:buNone/>
-              <a:defRPr sz="1535"/>
+              <a:defRPr sz="1638"/>
             </a:lvl1pPr>
-            <a:lvl2pPr marL="438729" indent="0">
+            <a:lvl2pPr marL="467990" indent="0">
               <a:buNone/>
-              <a:defRPr sz="1343"/>
+              <a:defRPr sz="1433"/>
             </a:lvl2pPr>
-            <a:lvl3pPr marL="877458" indent="0">
+            <a:lvl3pPr marL="935980" indent="0">
               <a:buNone/>
-              <a:defRPr sz="1152"/>
+              <a:defRPr sz="1228"/>
             </a:lvl3pPr>
-            <a:lvl4pPr marL="1316187" indent="0">
+            <a:lvl4pPr marL="1403970" indent="0">
               <a:buNone/>
-              <a:defRPr sz="960"/>
+              <a:defRPr sz="1024"/>
             </a:lvl4pPr>
-            <a:lvl5pPr marL="1754916" indent="0">
+            <a:lvl5pPr marL="1871960" indent="0">
               <a:buNone/>
-              <a:defRPr sz="960"/>
+              <a:defRPr sz="1024"/>
             </a:lvl5pPr>
-            <a:lvl6pPr marL="2193646" indent="0">
+            <a:lvl6pPr marL="2339950" indent="0">
               <a:buNone/>
-              <a:defRPr sz="960"/>
+              <a:defRPr sz="1024"/>
             </a:lvl6pPr>
-            <a:lvl7pPr marL="2632375" indent="0">
+            <a:lvl7pPr marL="2807940" indent="0">
               <a:buNone/>
-              <a:defRPr sz="960"/>
+              <a:defRPr sz="1024"/>
             </a:lvl7pPr>
-            <a:lvl8pPr marL="3071104" indent="0">
+            <a:lvl8pPr marL="3275929" indent="0">
               <a:buNone/>
-              <a:defRPr sz="960"/>
+              <a:defRPr sz="1024"/>
             </a:lvl8pPr>
-            <a:lvl9pPr marL="3509833" indent="0">
+            <a:lvl9pPr marL="3743919" indent="0">
               <a:buNone/>
-              <a:defRPr sz="960"/>
+              <a:defRPr sz="1024"/>
             </a:lvl9pPr>
           </a:lstStyle>
           <a:p>
@@ -6228,7 +6333,7 @@
           <a:p>
             <a:fld id="{C764DE79-268F-4C1A-8933-263129D2AF90}" type="datetimeFigureOut">
               <a:rPr lang="en-US" smtClean="0"/>
-              <a:t>9/9/2025</a:t>
+              <a:t>9/24/2025</a:t>
             </a:fld>
             <a:endParaRPr lang="en-US" dirty="0"/>
           </a:p>
@@ -6279,7 +6384,7 @@
     </p:spTree>
     <p:extLst>
       <p:ext uri="{BB962C8B-B14F-4D97-AF65-F5344CB8AC3E}">
-        <p14:creationId xmlns:p14="http://schemas.microsoft.com/office/powerpoint/2010/main" val="525403967"/>
+        <p14:creationId xmlns:p14="http://schemas.microsoft.com/office/powerpoint/2010/main" val="1729840822"/>
       </p:ext>
     </p:extLst>
   </p:cSld>
@@ -6318,15 +6423,15 @@
         </p:nvSpPr>
         <p:spPr>
           <a:xfrm>
-            <a:off x="805891" y="467995"/>
-            <a:ext cx="3773514" cy="1637983"/>
+            <a:off x="859580" y="467995"/>
+            <a:ext cx="4024911" cy="1637983"/>
           </a:xfrm>
         </p:spPr>
         <p:txBody>
           <a:bodyPr anchor="b"/>
           <a:lstStyle>
             <a:lvl1pPr>
-              <a:defRPr sz="3071"/>
+              <a:defRPr sz="3276"/>
             </a:lvl1pPr>
           </a:lstStyle>
           <a:p>
@@ -6350,8 +6455,8 @@
         </p:nvSpPr>
         <p:spPr>
           <a:xfrm>
-            <a:off x="4973971" y="1010740"/>
-            <a:ext cx="5923062" cy="4988697"/>
+            <a:off x="5305344" y="1010740"/>
+            <a:ext cx="6317665" cy="4988697"/>
           </a:xfrm>
         </p:spPr>
         <p:txBody>
@@ -6359,39 +6464,39 @@
           <a:lstStyle>
             <a:lvl1pPr marL="0" indent="0">
               <a:buNone/>
-              <a:defRPr sz="3071"/>
+              <a:defRPr sz="3276"/>
             </a:lvl1pPr>
-            <a:lvl2pPr marL="438729" indent="0">
+            <a:lvl2pPr marL="467990" indent="0">
               <a:buNone/>
-              <a:defRPr sz="2687"/>
+              <a:defRPr sz="2866"/>
             </a:lvl2pPr>
-            <a:lvl3pPr marL="877458" indent="0">
+            <a:lvl3pPr marL="935980" indent="0">
               <a:buNone/>
-              <a:defRPr sz="2303"/>
+              <a:defRPr sz="2457"/>
             </a:lvl3pPr>
-            <a:lvl4pPr marL="1316187" indent="0">
+            <a:lvl4pPr marL="1403970" indent="0">
               <a:buNone/>
-              <a:defRPr sz="1919"/>
+              <a:defRPr sz="2047"/>
             </a:lvl4pPr>
-            <a:lvl5pPr marL="1754916" indent="0">
+            <a:lvl5pPr marL="1871960" indent="0">
               <a:buNone/>
-              <a:defRPr sz="1919"/>
+              <a:defRPr sz="2047"/>
             </a:lvl5pPr>
-            <a:lvl6pPr marL="2193646" indent="0">
+            <a:lvl6pPr marL="2339950" indent="0">
               <a:buNone/>
-              <a:defRPr sz="1919"/>
+              <a:defRPr sz="2047"/>
             </a:lvl6pPr>
-            <a:lvl7pPr marL="2632375" indent="0">
+            <a:lvl7pPr marL="2807940" indent="0">
               <a:buNone/>
-              <a:defRPr sz="1919"/>
+              <a:defRPr sz="2047"/>
             </a:lvl7pPr>
-            <a:lvl8pPr marL="3071104" indent="0">
+            <a:lvl8pPr marL="3275929" indent="0">
               <a:buNone/>
-              <a:defRPr sz="1919"/>
+              <a:defRPr sz="2047"/>
             </a:lvl8pPr>
-            <a:lvl9pPr marL="3509833" indent="0">
+            <a:lvl9pPr marL="3743919" indent="0">
               <a:buNone/>
-              <a:defRPr sz="1919"/>
+              <a:defRPr sz="2047"/>
             </a:lvl9pPr>
           </a:lstStyle>
           <a:p>
@@ -6415,8 +6520,8 @@
         </p:nvSpPr>
         <p:spPr>
           <a:xfrm>
-            <a:off x="805891" y="2105977"/>
-            <a:ext cx="3773514" cy="3901584"/>
+            <a:off x="859580" y="2105977"/>
+            <a:ext cx="4024911" cy="3901584"/>
           </a:xfrm>
         </p:spPr>
         <p:txBody>
@@ -6424,39 +6529,39 @@
           <a:lstStyle>
             <a:lvl1pPr marL="0" indent="0">
               <a:buNone/>
-              <a:defRPr sz="1535"/>
+              <a:defRPr sz="1638"/>
             </a:lvl1pPr>
-            <a:lvl2pPr marL="438729" indent="0">
+            <a:lvl2pPr marL="467990" indent="0">
               <a:buNone/>
-              <a:defRPr sz="1343"/>
+              <a:defRPr sz="1433"/>
             </a:lvl2pPr>
-            <a:lvl3pPr marL="877458" indent="0">
+            <a:lvl3pPr marL="935980" indent="0">
               <a:buNone/>
-              <a:defRPr sz="1152"/>
+              <a:defRPr sz="1228"/>
             </a:lvl3pPr>
-            <a:lvl4pPr marL="1316187" indent="0">
+            <a:lvl4pPr marL="1403970" indent="0">
               <a:buNone/>
-              <a:defRPr sz="960"/>
+              <a:defRPr sz="1024"/>
             </a:lvl4pPr>
-            <a:lvl5pPr marL="1754916" indent="0">
+            <a:lvl5pPr marL="1871960" indent="0">
               <a:buNone/>
-              <a:defRPr sz="960"/>
+              <a:defRPr sz="1024"/>
             </a:lvl5pPr>
-            <a:lvl6pPr marL="2193646" indent="0">
+            <a:lvl6pPr marL="2339950" indent="0">
               <a:buNone/>
-              <a:defRPr sz="960"/>
+              <a:defRPr sz="1024"/>
             </a:lvl6pPr>
-            <a:lvl7pPr marL="2632375" indent="0">
+            <a:lvl7pPr marL="2807940" indent="0">
               <a:buNone/>
-              <a:defRPr sz="960"/>
+              <a:defRPr sz="1024"/>
             </a:lvl7pPr>
-            <a:lvl8pPr marL="3071104" indent="0">
+            <a:lvl8pPr marL="3275929" indent="0">
               <a:buNone/>
-              <a:defRPr sz="960"/>
+              <a:defRPr sz="1024"/>
             </a:lvl8pPr>
-            <a:lvl9pPr marL="3509833" indent="0">
+            <a:lvl9pPr marL="3743919" indent="0">
               <a:buNone/>
-              <a:defRPr sz="960"/>
+              <a:defRPr sz="1024"/>
             </a:lvl9pPr>
           </a:lstStyle>
           <a:p>
@@ -6485,7 +6590,7 @@
           <a:p>
             <a:fld id="{C764DE79-268F-4C1A-8933-263129D2AF90}" type="datetimeFigureOut">
               <a:rPr lang="en-US" smtClean="0"/>
-              <a:t>9/9/2025</a:t>
+              <a:t>9/24/2025</a:t>
             </a:fld>
             <a:endParaRPr lang="en-US" dirty="0"/>
           </a:p>
@@ -6536,7 +6641,7 @@
     </p:spTree>
     <p:extLst>
       <p:ext uri="{BB962C8B-B14F-4D97-AF65-F5344CB8AC3E}">
-        <p14:creationId xmlns:p14="http://schemas.microsoft.com/office/powerpoint/2010/main" val="473346052"/>
+        <p14:creationId xmlns:p14="http://schemas.microsoft.com/office/powerpoint/2010/main" val="1072102915"/>
       </p:ext>
     </p:extLst>
   </p:cSld>
@@ -6580,8 +6685,8 @@
         </p:nvSpPr>
         <p:spPr>
           <a:xfrm>
-            <a:off x="804367" y="373747"/>
-            <a:ext cx="10091142" cy="1356861"/>
+            <a:off x="857955" y="373747"/>
+            <a:ext cx="10763429" cy="1356861"/>
           </a:xfrm>
           <a:prstGeom prst="rect">
             <a:avLst/>
@@ -6613,8 +6718,8 @@
         </p:nvSpPr>
         <p:spPr>
           <a:xfrm>
-            <a:off x="804367" y="1868730"/>
-            <a:ext cx="10091142" cy="4454078"/>
+            <a:off x="857955" y="1868730"/>
+            <a:ext cx="10763429" cy="4454078"/>
           </a:xfrm>
           <a:prstGeom prst="rect">
             <a:avLst/>
@@ -6675,8 +6780,8 @@
         </p:nvSpPr>
         <p:spPr>
           <a:xfrm>
-            <a:off x="804366" y="6506431"/>
-            <a:ext cx="2632472" cy="373746"/>
+            <a:off x="857955" y="6506431"/>
+            <a:ext cx="2807851" cy="373746"/>
           </a:xfrm>
           <a:prstGeom prst="rect">
             <a:avLst/>
@@ -6686,7 +6791,7 @@
           <a:bodyPr vert="horz" lIns="91440" tIns="45720" rIns="91440" bIns="45720" rtlCol="0" anchor="ctr"/>
           <a:lstStyle>
             <a:lvl1pPr algn="l">
-              <a:defRPr sz="1152">
+              <a:defRPr sz="1228">
                 <a:solidFill>
                   <a:schemeClr val="tx1">
                     <a:tint val="82000"/>
@@ -6698,7 +6803,7 @@
           <a:p>
             <a:fld id="{C764DE79-268F-4C1A-8933-263129D2AF90}" type="datetimeFigureOut">
               <a:rPr lang="en-US" smtClean="0"/>
-              <a:t>9/9/2025</a:t>
+              <a:t>9/24/2025</a:t>
             </a:fld>
             <a:endParaRPr lang="en-US" dirty="0"/>
           </a:p>
@@ -6716,8 +6821,8 @@
         </p:nvSpPr>
         <p:spPr>
           <a:xfrm>
-            <a:off x="3875584" y="6506431"/>
-            <a:ext cx="3948708" cy="373746"/>
+            <a:off x="4133781" y="6506431"/>
+            <a:ext cx="4211777" cy="373746"/>
           </a:xfrm>
           <a:prstGeom prst="rect">
             <a:avLst/>
@@ -6727,7 +6832,7 @@
           <a:bodyPr vert="horz" lIns="91440" tIns="45720" rIns="91440" bIns="45720" rtlCol="0" anchor="ctr"/>
           <a:lstStyle>
             <a:lvl1pPr algn="ctr">
-              <a:defRPr sz="1152">
+              <a:defRPr sz="1228">
                 <a:solidFill>
                   <a:schemeClr val="tx1">
                     <a:tint val="82000"/>
@@ -6753,8 +6858,8 @@
         </p:nvSpPr>
         <p:spPr>
           <a:xfrm>
-            <a:off x="8263037" y="6506431"/>
-            <a:ext cx="2632472" cy="373746"/>
+            <a:off x="8813532" y="6506431"/>
+            <a:ext cx="2807851" cy="373746"/>
           </a:xfrm>
           <a:prstGeom prst="rect">
             <a:avLst/>
@@ -6764,7 +6869,7 @@
           <a:bodyPr vert="horz" lIns="91440" tIns="45720" rIns="91440" bIns="45720" rtlCol="0" anchor="ctr"/>
           <a:lstStyle>
             <a:lvl1pPr algn="r">
-              <a:defRPr sz="1152">
+              <a:defRPr sz="1228">
                 <a:solidFill>
                   <a:schemeClr val="tx1">
                     <a:tint val="82000"/>
@@ -6785,33 +6890,33 @@
     </p:spTree>
     <p:extLst>
       <p:ext uri="{BB962C8B-B14F-4D97-AF65-F5344CB8AC3E}">
-        <p14:creationId xmlns:p14="http://schemas.microsoft.com/office/powerpoint/2010/main" val="2322328370"/>
+        <p14:creationId xmlns:p14="http://schemas.microsoft.com/office/powerpoint/2010/main" val="3737367636"/>
       </p:ext>
     </p:extLst>
   </p:cSld>
   <p:clrMap bg1="lt1" tx1="dk1" bg2="lt2" tx2="dk2" accent1="accent1" accent2="accent2" accent3="accent3" accent4="accent4" accent5="accent5" accent6="accent6" hlink="hlink" folHlink="folHlink"/>
   <p:sldLayoutIdLst>
-    <p:sldLayoutId id="2147483713" r:id="rId1"/>
-    <p:sldLayoutId id="2147483714" r:id="rId2"/>
-    <p:sldLayoutId id="2147483715" r:id="rId3"/>
-    <p:sldLayoutId id="2147483716" r:id="rId4"/>
-    <p:sldLayoutId id="2147483717" r:id="rId5"/>
-    <p:sldLayoutId id="2147483718" r:id="rId6"/>
-    <p:sldLayoutId id="2147483719" r:id="rId7"/>
-    <p:sldLayoutId id="2147483720" r:id="rId8"/>
-    <p:sldLayoutId id="2147483721" r:id="rId9"/>
-    <p:sldLayoutId id="2147483722" r:id="rId10"/>
-    <p:sldLayoutId id="2147483723" r:id="rId11"/>
-    <p:sldLayoutId id="2147483724" r:id="rId12"/>
-    <p:sldLayoutId id="2147483725" r:id="rId13"/>
-    <p:sldLayoutId id="2147483726" r:id="rId14"/>
-    <p:sldLayoutId id="2147483727" r:id="rId15"/>
-    <p:sldLayoutId id="2147483728" r:id="rId16"/>
+    <p:sldLayoutId id="2147483730" r:id="rId1"/>
+    <p:sldLayoutId id="2147483731" r:id="rId2"/>
+    <p:sldLayoutId id="2147483732" r:id="rId3"/>
+    <p:sldLayoutId id="2147483733" r:id="rId4"/>
+    <p:sldLayoutId id="2147483734" r:id="rId5"/>
+    <p:sldLayoutId id="2147483735" r:id="rId6"/>
+    <p:sldLayoutId id="2147483736" r:id="rId7"/>
+    <p:sldLayoutId id="2147483737" r:id="rId8"/>
+    <p:sldLayoutId id="2147483738" r:id="rId9"/>
+    <p:sldLayoutId id="2147483739" r:id="rId10"/>
+    <p:sldLayoutId id="2147483740" r:id="rId11"/>
+    <p:sldLayoutId id="2147483741" r:id="rId12"/>
+    <p:sldLayoutId id="2147483742" r:id="rId13"/>
+    <p:sldLayoutId id="2147483743" r:id="rId14"/>
+    <p:sldLayoutId id="2147483744" r:id="rId15"/>
+    <p:sldLayoutId id="2147483745" r:id="rId16"/>
     <p:sldLayoutId id="2147483650" r:id="rId17"/>
   </p:sldLayoutIdLst>
   <p:txStyles>
     <p:titleStyle>
-      <a:lvl1pPr algn="l" defTabSz="877458" rtl="0" eaLnBrk="1" latinLnBrk="0" hangingPunct="1">
+      <a:lvl1pPr algn="l" defTabSz="935980" rtl="0" eaLnBrk="1" latinLnBrk="0" hangingPunct="1">
         <a:lnSpc>
           <a:spcPct val="90000"/>
         </a:lnSpc>
@@ -6819,7 +6924,7 @@
           <a:spcPct val="0"/>
         </a:spcBef>
         <a:buNone/>
-        <a:defRPr sz="4222" kern="1200">
+        <a:defRPr sz="4504" kern="1200">
           <a:solidFill>
             <a:schemeClr val="tx1"/>
           </a:solidFill>
@@ -6830,16 +6935,16 @@
       </a:lvl1pPr>
     </p:titleStyle>
     <p:bodyStyle>
-      <a:lvl1pPr marL="219365" indent="-219365" algn="l" defTabSz="877458" rtl="0" eaLnBrk="1" latinLnBrk="0" hangingPunct="1">
+      <a:lvl1pPr marL="233995" indent="-233995" algn="l" defTabSz="935980" rtl="0" eaLnBrk="1" latinLnBrk="0" hangingPunct="1">
         <a:lnSpc>
           <a:spcPct val="90000"/>
         </a:lnSpc>
         <a:spcBef>
-          <a:spcPts val="960"/>
+          <a:spcPts val="1024"/>
         </a:spcBef>
         <a:buFont typeface="Arial" panose="020B0604020202020204" pitchFamily="34" charset="0"/>
         <a:buChar char="•"/>
-        <a:defRPr sz="2687" kern="1200">
+        <a:defRPr sz="2866" kern="1200">
           <a:solidFill>
             <a:schemeClr val="tx1"/>
           </a:solidFill>
@@ -6848,16 +6953,16 @@
           <a:cs typeface="+mn-cs"/>
         </a:defRPr>
       </a:lvl1pPr>
-      <a:lvl2pPr marL="658094" indent="-219365" algn="l" defTabSz="877458" rtl="0" eaLnBrk="1" latinLnBrk="0" hangingPunct="1">
+      <a:lvl2pPr marL="701985" indent="-233995" algn="l" defTabSz="935980" rtl="0" eaLnBrk="1" latinLnBrk="0" hangingPunct="1">
         <a:lnSpc>
           <a:spcPct val="90000"/>
         </a:lnSpc>
         <a:spcBef>
-          <a:spcPts val="480"/>
+          <a:spcPts val="512"/>
         </a:spcBef>
         <a:buFont typeface="Arial" panose="020B0604020202020204" pitchFamily="34" charset="0"/>
         <a:buChar char="•"/>
-        <a:defRPr sz="2303" kern="1200">
+        <a:defRPr sz="2457" kern="1200">
           <a:solidFill>
             <a:schemeClr val="tx1"/>
           </a:solidFill>
@@ -6866,16 +6971,16 @@
           <a:cs typeface="+mn-cs"/>
         </a:defRPr>
       </a:lvl2pPr>
-      <a:lvl3pPr marL="1096823" indent="-219365" algn="l" defTabSz="877458" rtl="0" eaLnBrk="1" latinLnBrk="0" hangingPunct="1">
+      <a:lvl3pPr marL="1169975" indent="-233995" algn="l" defTabSz="935980" rtl="0" eaLnBrk="1" latinLnBrk="0" hangingPunct="1">
         <a:lnSpc>
           <a:spcPct val="90000"/>
         </a:lnSpc>
         <a:spcBef>
-          <a:spcPts val="480"/>
+          <a:spcPts val="512"/>
         </a:spcBef>
         <a:buFont typeface="Arial" panose="020B0604020202020204" pitchFamily="34" charset="0"/>
         <a:buChar char="•"/>
-        <a:defRPr sz="1919" kern="1200">
+        <a:defRPr sz="2047" kern="1200">
           <a:solidFill>
             <a:schemeClr val="tx1"/>
           </a:solidFill>
@@ -6884,16 +6989,16 @@
           <a:cs typeface="+mn-cs"/>
         </a:defRPr>
       </a:lvl3pPr>
-      <a:lvl4pPr marL="1535552" indent="-219365" algn="l" defTabSz="877458" rtl="0" eaLnBrk="1" latinLnBrk="0" hangingPunct="1">
+      <a:lvl4pPr marL="1637965" indent="-233995" algn="l" defTabSz="935980" rtl="0" eaLnBrk="1" latinLnBrk="0" hangingPunct="1">
         <a:lnSpc>
           <a:spcPct val="90000"/>
         </a:lnSpc>
         <a:spcBef>
-          <a:spcPts val="480"/>
+          <a:spcPts val="512"/>
         </a:spcBef>
         <a:buFont typeface="Arial" panose="020B0604020202020204" pitchFamily="34" charset="0"/>
         <a:buChar char="•"/>
-        <a:defRPr sz="1727" kern="1200">
+        <a:defRPr sz="1842" kern="1200">
           <a:solidFill>
             <a:schemeClr val="tx1"/>
           </a:solidFill>
@@ -6902,16 +7007,16 @@
           <a:cs typeface="+mn-cs"/>
         </a:defRPr>
       </a:lvl4pPr>
-      <a:lvl5pPr marL="1974281" indent="-219365" algn="l" defTabSz="877458" rtl="0" eaLnBrk="1" latinLnBrk="0" hangingPunct="1">
+      <a:lvl5pPr marL="2105955" indent="-233995" algn="l" defTabSz="935980" rtl="0" eaLnBrk="1" latinLnBrk="0" hangingPunct="1">
         <a:lnSpc>
           <a:spcPct val="90000"/>
         </a:lnSpc>
         <a:spcBef>
-          <a:spcPts val="480"/>
+          <a:spcPts val="512"/>
         </a:spcBef>
         <a:buFont typeface="Arial" panose="020B0604020202020204" pitchFamily="34" charset="0"/>
         <a:buChar char="•"/>
-        <a:defRPr sz="1727" kern="1200">
+        <a:defRPr sz="1842" kern="1200">
           <a:solidFill>
             <a:schemeClr val="tx1"/>
           </a:solidFill>
@@ -6920,16 +7025,16 @@
           <a:cs typeface="+mn-cs"/>
         </a:defRPr>
       </a:lvl5pPr>
-      <a:lvl6pPr marL="2413010" indent="-219365" algn="l" defTabSz="877458" rtl="0" eaLnBrk="1" latinLnBrk="0" hangingPunct="1">
+      <a:lvl6pPr marL="2573945" indent="-233995" algn="l" defTabSz="935980" rtl="0" eaLnBrk="1" latinLnBrk="0" hangingPunct="1">
         <a:lnSpc>
           <a:spcPct val="90000"/>
         </a:lnSpc>
         <a:spcBef>
-          <a:spcPts val="480"/>
+          <a:spcPts val="512"/>
         </a:spcBef>
         <a:buFont typeface="Arial" panose="020B0604020202020204" pitchFamily="34" charset="0"/>
         <a:buChar char="•"/>
-        <a:defRPr sz="1727" kern="1200">
+        <a:defRPr sz="1842" kern="1200">
           <a:solidFill>
             <a:schemeClr val="tx1"/>
           </a:solidFill>
@@ -6938,16 +7043,16 @@
           <a:cs typeface="+mn-cs"/>
         </a:defRPr>
       </a:lvl6pPr>
-      <a:lvl7pPr marL="2851739" indent="-219365" algn="l" defTabSz="877458" rtl="0" eaLnBrk="1" latinLnBrk="0" hangingPunct="1">
+      <a:lvl7pPr marL="3041934" indent="-233995" algn="l" defTabSz="935980" rtl="0" eaLnBrk="1" latinLnBrk="0" hangingPunct="1">
         <a:lnSpc>
           <a:spcPct val="90000"/>
         </a:lnSpc>
         <a:spcBef>
-          <a:spcPts val="480"/>
+          <a:spcPts val="512"/>
         </a:spcBef>
         <a:buFont typeface="Arial" panose="020B0604020202020204" pitchFamily="34" charset="0"/>
         <a:buChar char="•"/>
-        <a:defRPr sz="1727" kern="1200">
+        <a:defRPr sz="1842" kern="1200">
           <a:solidFill>
             <a:schemeClr val="tx1"/>
           </a:solidFill>
@@ -6956,16 +7061,16 @@
           <a:cs typeface="+mn-cs"/>
         </a:defRPr>
       </a:lvl7pPr>
-      <a:lvl8pPr marL="3290468" indent="-219365" algn="l" defTabSz="877458" rtl="0" eaLnBrk="1" latinLnBrk="0" hangingPunct="1">
+      <a:lvl8pPr marL="3509924" indent="-233995" algn="l" defTabSz="935980" rtl="0" eaLnBrk="1" latinLnBrk="0" hangingPunct="1">
         <a:lnSpc>
           <a:spcPct val="90000"/>
         </a:lnSpc>
         <a:spcBef>
-          <a:spcPts val="480"/>
+          <a:spcPts val="512"/>
         </a:spcBef>
         <a:buFont typeface="Arial" panose="020B0604020202020204" pitchFamily="34" charset="0"/>
         <a:buChar char="•"/>
-        <a:defRPr sz="1727" kern="1200">
+        <a:defRPr sz="1842" kern="1200">
           <a:solidFill>
             <a:schemeClr val="tx1"/>
           </a:solidFill>
@@ -6974,16 +7079,16 @@
           <a:cs typeface="+mn-cs"/>
         </a:defRPr>
       </a:lvl8pPr>
-      <a:lvl9pPr marL="3729198" indent="-219365" algn="l" defTabSz="877458" rtl="0" eaLnBrk="1" latinLnBrk="0" hangingPunct="1">
+      <a:lvl9pPr marL="3977914" indent="-233995" algn="l" defTabSz="935980" rtl="0" eaLnBrk="1" latinLnBrk="0" hangingPunct="1">
         <a:lnSpc>
           <a:spcPct val="90000"/>
         </a:lnSpc>
         <a:spcBef>
-          <a:spcPts val="480"/>
+          <a:spcPts val="512"/>
         </a:spcBef>
         <a:buFont typeface="Arial" panose="020B0604020202020204" pitchFamily="34" charset="0"/>
         <a:buChar char="•"/>
-        <a:defRPr sz="1727" kern="1200">
+        <a:defRPr sz="1842" kern="1200">
           <a:solidFill>
             <a:schemeClr val="tx1"/>
           </a:solidFill>
@@ -6997,8 +7102,8 @@
       <a:defPPr>
         <a:defRPr lang="en-US"/>
       </a:defPPr>
-      <a:lvl1pPr marL="0" algn="l" defTabSz="877458" rtl="0" eaLnBrk="1" latinLnBrk="0" hangingPunct="1">
-        <a:defRPr sz="1727" kern="1200">
+      <a:lvl1pPr marL="0" algn="l" defTabSz="935980" rtl="0" eaLnBrk="1" latinLnBrk="0" hangingPunct="1">
+        <a:defRPr sz="1842" kern="1200">
           <a:solidFill>
             <a:schemeClr val="tx1"/>
           </a:solidFill>
@@ -7007,8 +7112,8 @@
           <a:cs typeface="+mn-cs"/>
         </a:defRPr>
       </a:lvl1pPr>
-      <a:lvl2pPr marL="438729" algn="l" defTabSz="877458" rtl="0" eaLnBrk="1" latinLnBrk="0" hangingPunct="1">
-        <a:defRPr sz="1727" kern="1200">
+      <a:lvl2pPr marL="467990" algn="l" defTabSz="935980" rtl="0" eaLnBrk="1" latinLnBrk="0" hangingPunct="1">
+        <a:defRPr sz="1842" kern="1200">
           <a:solidFill>
             <a:schemeClr val="tx1"/>
           </a:solidFill>
@@ -7017,8 +7122,8 @@
           <a:cs typeface="+mn-cs"/>
         </a:defRPr>
       </a:lvl2pPr>
-      <a:lvl3pPr marL="877458" algn="l" defTabSz="877458" rtl="0" eaLnBrk="1" latinLnBrk="0" hangingPunct="1">
-        <a:defRPr sz="1727" kern="1200">
+      <a:lvl3pPr marL="935980" algn="l" defTabSz="935980" rtl="0" eaLnBrk="1" latinLnBrk="0" hangingPunct="1">
+        <a:defRPr sz="1842" kern="1200">
           <a:solidFill>
             <a:schemeClr val="tx1"/>
           </a:solidFill>
@@ -7027,8 +7132,8 @@
           <a:cs typeface="+mn-cs"/>
         </a:defRPr>
       </a:lvl3pPr>
-      <a:lvl4pPr marL="1316187" algn="l" defTabSz="877458" rtl="0" eaLnBrk="1" latinLnBrk="0" hangingPunct="1">
-        <a:defRPr sz="1727" kern="1200">
+      <a:lvl4pPr marL="1403970" algn="l" defTabSz="935980" rtl="0" eaLnBrk="1" latinLnBrk="0" hangingPunct="1">
+        <a:defRPr sz="1842" kern="1200">
           <a:solidFill>
             <a:schemeClr val="tx1"/>
           </a:solidFill>
@@ -7037,8 +7142,8 @@
           <a:cs typeface="+mn-cs"/>
         </a:defRPr>
       </a:lvl4pPr>
-      <a:lvl5pPr marL="1754916" algn="l" defTabSz="877458" rtl="0" eaLnBrk="1" latinLnBrk="0" hangingPunct="1">
-        <a:defRPr sz="1727" kern="1200">
+      <a:lvl5pPr marL="1871960" algn="l" defTabSz="935980" rtl="0" eaLnBrk="1" latinLnBrk="0" hangingPunct="1">
+        <a:defRPr sz="1842" kern="1200">
           <a:solidFill>
             <a:schemeClr val="tx1"/>
           </a:solidFill>
@@ -7047,8 +7152,8 @@
           <a:cs typeface="+mn-cs"/>
         </a:defRPr>
       </a:lvl5pPr>
-      <a:lvl6pPr marL="2193646" algn="l" defTabSz="877458" rtl="0" eaLnBrk="1" latinLnBrk="0" hangingPunct="1">
-        <a:defRPr sz="1727" kern="1200">
+      <a:lvl6pPr marL="2339950" algn="l" defTabSz="935980" rtl="0" eaLnBrk="1" latinLnBrk="0" hangingPunct="1">
+        <a:defRPr sz="1842" kern="1200">
           <a:solidFill>
             <a:schemeClr val="tx1"/>
           </a:solidFill>
@@ -7057,8 +7162,8 @@
           <a:cs typeface="+mn-cs"/>
         </a:defRPr>
       </a:lvl6pPr>
-      <a:lvl7pPr marL="2632375" algn="l" defTabSz="877458" rtl="0" eaLnBrk="1" latinLnBrk="0" hangingPunct="1">
-        <a:defRPr sz="1727" kern="1200">
+      <a:lvl7pPr marL="2807940" algn="l" defTabSz="935980" rtl="0" eaLnBrk="1" latinLnBrk="0" hangingPunct="1">
+        <a:defRPr sz="1842" kern="1200">
           <a:solidFill>
             <a:schemeClr val="tx1"/>
           </a:solidFill>
@@ -7067,8 +7172,8 @@
           <a:cs typeface="+mn-cs"/>
         </a:defRPr>
       </a:lvl7pPr>
-      <a:lvl8pPr marL="3071104" algn="l" defTabSz="877458" rtl="0" eaLnBrk="1" latinLnBrk="0" hangingPunct="1">
-        <a:defRPr sz="1727" kern="1200">
+      <a:lvl8pPr marL="3275929" algn="l" defTabSz="935980" rtl="0" eaLnBrk="1" latinLnBrk="0" hangingPunct="1">
+        <a:defRPr sz="1842" kern="1200">
           <a:solidFill>
             <a:schemeClr val="tx1"/>
           </a:solidFill>
@@ -7077,8 +7182,8 @@
           <a:cs typeface="+mn-cs"/>
         </a:defRPr>
       </a:lvl8pPr>
-      <a:lvl9pPr marL="3509833" algn="l" defTabSz="877458" rtl="0" eaLnBrk="1" latinLnBrk="0" hangingPunct="1">
-        <a:defRPr sz="1727" kern="1200">
+      <a:lvl9pPr marL="3743919" algn="l" defTabSz="935980" rtl="0" eaLnBrk="1" latinLnBrk="0" hangingPunct="1">
+        <a:defRPr sz="1842" kern="1200">
           <a:solidFill>
             <a:schemeClr val="tx1"/>
           </a:solidFill>
@@ -7151,22 +7256,34 @@
       </p:sp>
       <p:pic>
         <p:nvPicPr>
-          <p:cNvPr id="4" name="Banner for The Agent Creation Playbook: From Agent Builder to Copilot Studio creation process without secrets!! by Marco Rocca, Matteo Lenzo" descr="967080.jpeg"/>
+          <p:cNvPr id="6" name="Picture 5" descr="A green rectangular sign with text and images of men&#10;&#10;AI-generated content may be incorrect.">
+            <a:extLst>
+              <a:ext uri="{FF2B5EF4-FFF2-40B4-BE49-F238E27FC236}">
+                <a16:creationId xmlns:a16="http://schemas.microsoft.com/office/drawing/2014/main" id="{7EDEC98A-7A14-4E4F-677A-A6D9C53135F5}"/>
+              </a:ext>
+            </a:extLst>
+          </p:cNvPr>
           <p:cNvPicPr>
             <a:picLocks noChangeAspect="1"/>
           </p:cNvPicPr>
           <p:nvPr/>
         </p:nvPicPr>
         <p:blipFill>
-          <a:blip r:embed="rId3"/>
+          <a:blip r:embed="rId3">
+            <a:extLst>
+              <a:ext uri="{28A0092B-C50C-407E-A947-70E740481C1C}">
+                <a14:useLocalDpi xmlns:a14="http://schemas.microsoft.com/office/drawing/2010/main" val="0"/>
+              </a:ext>
+            </a:extLst>
+          </a:blip>
           <a:stretch>
             <a:fillRect/>
           </a:stretch>
         </p:blipFill>
         <p:spPr>
           <a:xfrm>
-            <a:off x="0" y="-17900"/>
-            <a:ext cx="11699875" cy="7036943"/>
+            <a:off x="0" y="-1"/>
+            <a:ext cx="12479866" cy="7019925"/>
           </a:xfrm>
           <a:prstGeom prst="rect">
             <a:avLst/>
@@ -7214,6 +7331,7 @@
           <a:lstStyle/>
           <a:p>
             <a:r>
+              <a:rPr dirty="0"/>
               <a:t>The Agent Creation Playbook: From Agent Builder to Copilot Studio creation process without secrets!!</a:t>
             </a:r>
           </a:p>
@@ -7501,7 +7619,7 @@
         </p:nvPicPr>
         <p:blipFill>
           <a:blip r:embed="rId3"/>
-          <a:srcRect t="413" b="413"/>
+          <a:srcRect t="3516" b="3516"/>
           <a:stretch>
             <a:fillRect/>
           </a:stretch>
@@ -8519,26 +8637,6 @@
 </file>
 
 <file path=customXml/item1.xml><?xml version="1.0" encoding="utf-8"?>
-<p:properties xmlns:p="http://schemas.microsoft.com/office/2006/metadata/properties" xmlns:xsi="http://www.w3.org/2001/XMLSchema-instance" xmlns:pc="http://schemas.microsoft.com/office/infopath/2007/PartnerControls">
-  <documentManagement>
-    <TaxCatchAll xmlns="cef5da91-0831-42fa-860c-d84acea2b669" xsi:nil="true"/>
-    <lcf76f155ced4ddcb4097134ff3c332f xmlns="d8121912-130d-4688-8a96-8cf2c237709c">
-      <Terms xmlns="http://schemas.microsoft.com/office/infopath/2007/PartnerControls"/>
-    </lcf76f155ced4ddcb4097134ff3c332f>
-  </documentManagement>
-</p:properties>
-</file>
-
-<file path=customXml/item2.xml><?xml version="1.0" encoding="utf-8"?>
-<?mso-contentType ?>
-<FormTemplates xmlns="http://schemas.microsoft.com/sharepoint/v3/contenttype/forms">
-  <Display>DocumentLibraryForm</Display>
-  <Edit>DocumentLibraryForm</Edit>
-  <New>DocumentLibraryForm</New>
-</FormTemplates>
-</file>
-
-<file path=customXml/item3.xml><?xml version="1.0" encoding="utf-8"?>
 <ct:contentTypeSchema xmlns:ct="http://schemas.microsoft.com/office/2006/metadata/contentType" xmlns:ma="http://schemas.microsoft.com/office/2006/metadata/properties/metaAttributes" ct:_="" ma:_="" ma:contentTypeName="Document" ma:contentTypeID="0x010100FD6131E5EFD16140B6B7F4892B3B1EDF" ma:contentTypeVersion="13" ma:contentTypeDescription="Create a new document." ma:contentTypeScope="" ma:versionID="145255e663cdc3e6e9cba0ee678cd235">
   <xsd:schema xmlns:xsd="http://www.w3.org/2001/XMLSchema" xmlns:xs="http://www.w3.org/2001/XMLSchema" xmlns:p="http://schemas.microsoft.com/office/2006/metadata/properties" xmlns:ns2="d8121912-130d-4688-8a96-8cf2c237709c" xmlns:ns3="cef5da91-0831-42fa-860c-d84acea2b669" targetNamespace="http://schemas.microsoft.com/office/2006/metadata/properties" ma:root="true" ma:fieldsID="871e515fac4f99d2d7b2b65d09122d2d" ns2:_="" ns3:_="">
     <xsd:import namespace="d8121912-130d-4688-8a96-8cf2c237709c"/>
@@ -8745,26 +8843,27 @@
 </ct:contentTypeSchema>
 </file>
 
-<file path=customXml/itemProps1.xml><?xml version="1.0" encoding="utf-8"?>
-<ds:datastoreItem xmlns:ds="http://schemas.openxmlformats.org/officeDocument/2006/customXml" ds:itemID="{B39940B0-918A-4AD1-BB97-753008E9C56C}">
-  <ds:schemaRefs>
-    <ds:schemaRef ds:uri="http://schemas.microsoft.com/office/2006/metadata/properties"/>
-    <ds:schemaRef ds:uri="http://schemas.microsoft.com/office/infopath/2007/PartnerControls"/>
-    <ds:schemaRef ds:uri="cef5da91-0831-42fa-860c-d84acea2b669"/>
-    <ds:schemaRef ds:uri="d8121912-130d-4688-8a96-8cf2c237709c"/>
-  </ds:schemaRefs>
-</ds:datastoreItem>
+<file path=customXml/item2.xml><?xml version="1.0" encoding="utf-8"?>
+<?mso-contentType ?>
+<FormTemplates xmlns="http://schemas.microsoft.com/sharepoint/v3/contenttype/forms">
+  <Display>DocumentLibraryForm</Display>
+  <Edit>DocumentLibraryForm</Edit>
+  <New>DocumentLibraryForm</New>
+</FormTemplates>
 </file>
 
-<file path=customXml/itemProps2.xml><?xml version="1.0" encoding="utf-8"?>
-<ds:datastoreItem xmlns:ds="http://schemas.openxmlformats.org/officeDocument/2006/customXml" ds:itemID="{651D6C72-E463-4065-93A5-344FB67CAA7D}">
-  <ds:schemaRefs>
-    <ds:schemaRef ds:uri="http://schemas.microsoft.com/sharepoint/v3/contenttype/forms"/>
-  </ds:schemaRefs>
-</ds:datastoreItem>
+<file path=customXml/item3.xml><?xml version="1.0" encoding="utf-8"?>
+<p:properties xmlns:p="http://schemas.microsoft.com/office/2006/metadata/properties" xmlns:xsi="http://www.w3.org/2001/XMLSchema-instance" xmlns:pc="http://schemas.microsoft.com/office/infopath/2007/PartnerControls">
+  <documentManagement>
+    <TaxCatchAll xmlns="cef5da91-0831-42fa-860c-d84acea2b669" xsi:nil="true"/>
+    <lcf76f155ced4ddcb4097134ff3c332f xmlns="d8121912-130d-4688-8a96-8cf2c237709c">
+      <Terms xmlns="http://schemas.microsoft.com/office/infopath/2007/PartnerControls"/>
+    </lcf76f155ced4ddcb4097134ff3c332f>
+  </documentManagement>
+</p:properties>
 </file>
 
-<file path=customXml/itemProps3.xml><?xml version="1.0" encoding="utf-8"?>
+<file path=customXml/itemProps1.xml><?xml version="1.0" encoding="utf-8"?>
 <ds:datastoreItem xmlns:ds="http://schemas.openxmlformats.org/officeDocument/2006/customXml" ds:itemID="{41FC036F-6EA3-4EEE-9C7B-4242B1923B4B}">
   <ds:schemaRefs>
     <ds:schemaRef ds:uri="http://schemas.microsoft.com/office/2006/metadata/contentType"/>
@@ -8783,6 +8882,25 @@
 </ds:datastoreItem>
 </file>
 
+<file path=customXml/itemProps2.xml><?xml version="1.0" encoding="utf-8"?>
+<ds:datastoreItem xmlns:ds="http://schemas.openxmlformats.org/officeDocument/2006/customXml" ds:itemID="{651D6C72-E463-4065-93A5-344FB67CAA7D}">
+  <ds:schemaRefs>
+    <ds:schemaRef ds:uri="http://schemas.microsoft.com/sharepoint/v3/contenttype/forms"/>
+  </ds:schemaRefs>
+</ds:datastoreItem>
+</file>
+
+<file path=customXml/itemProps3.xml><?xml version="1.0" encoding="utf-8"?>
+<ds:datastoreItem xmlns:ds="http://schemas.openxmlformats.org/officeDocument/2006/customXml" ds:itemID="{B39940B0-918A-4AD1-BB97-753008E9C56C}">
+  <ds:schemaRefs>
+    <ds:schemaRef ds:uri="http://schemas.microsoft.com/office/2006/metadata/properties"/>
+    <ds:schemaRef ds:uri="http://schemas.microsoft.com/office/infopath/2007/PartnerControls"/>
+    <ds:schemaRef ds:uri="cef5da91-0831-42fa-860c-d84acea2b669"/>
+    <ds:schemaRef ds:uri="d8121912-130d-4688-8a96-8cf2c237709c"/>
+  </ds:schemaRefs>
+</ds:datastoreItem>
+</file>
+
 <file path=docMetadata/LabelInfo.xml><?xml version="1.0" encoding="utf-8"?>
 <clbl:labelList xmlns:clbl="http://schemas.microsoft.com/office/2020/mipLabelMetadata">
   <clbl:label id="{5fae8262-b78e-4366-8929-a5d6aac95320}" enabled="1" method="Standard" siteId="{cf36141c-ddd7-45a7-b073-111f66d0b30c}" contentBits="0" removed="0"/>
